--- a/Hypercube.pptx
+++ b/Hypercube.pptx
@@ -1243,10 +1243,10 @@
   <dgm:cxnLst>
     <dgm:cxn modelId="{EA1FBD04-2FC9-BB4A-862F-757352D779E5}" type="presOf" srcId="{5EFC2066-792D-9743-8792-AE74F99507EA}" destId="{0538DEE8-C0C5-8443-A6B1-525665FD8604}" srcOrd="0" destOrd="0" presId="urn:microsoft.com/office/officeart/2005/8/layout/process3"/>
     <dgm:cxn modelId="{6512D10A-091A-7A4F-BB86-259CF655E294}" srcId="{66086864-94C8-7746-9F97-58F4A851DFB0}" destId="{952FDE1D-0CCF-D547-8426-8913088E06BF}" srcOrd="0" destOrd="0" parTransId="{F2AC66C2-3F0D-2843-8FBE-8287BB15187F}" sibTransId="{A6D018AC-6426-BD42-B379-1457D194141A}"/>
-    <dgm:cxn modelId="{0885B757-B3DC-C34F-99BE-CA86526502F3}" type="presOf" srcId="{F2864999-36A3-D444-B23F-891838D7EF8F}" destId="{EAB3A94C-9C72-0747-8FB6-82C2F499228E}" srcOrd="0" destOrd="0" presId="urn:microsoft.com/office/officeart/2005/8/layout/process3"/>
     <dgm:cxn modelId="{A07A9D65-F204-154E-BB42-74E6DA5DD99B}" type="presOf" srcId="{66086864-94C8-7746-9F97-58F4A851DFB0}" destId="{8B398C46-922C-7A40-8845-9B178CE351CD}" srcOrd="1" destOrd="0" presId="urn:microsoft.com/office/officeart/2005/8/layout/process3"/>
     <dgm:cxn modelId="{65010271-C5BF-154A-A4A1-E001A22046A3}" type="presOf" srcId="{571908BE-768A-954B-93A2-6697FCA8A5E8}" destId="{E5D13607-128B-CB40-AF0D-1A6ED550CF6D}" srcOrd="1" destOrd="0" presId="urn:microsoft.com/office/officeart/2005/8/layout/process3"/>
     <dgm:cxn modelId="{111FED73-F26B-0844-B291-5AFD8E8DA935}" srcId="{8DBACF54-DA2C-964A-88F8-A74AF71BF35F}" destId="{9B7CE36A-1031-B144-A979-E3891C2A7A2B}" srcOrd="2" destOrd="0" parTransId="{B7F8A871-E60E-EE45-88F7-66C912702F7C}" sibTransId="{97DBE238-DC0D-4147-B928-AC71A20032E5}"/>
+    <dgm:cxn modelId="{0885B757-B3DC-C34F-99BE-CA86526502F3}" type="presOf" srcId="{F2864999-36A3-D444-B23F-891838D7EF8F}" destId="{EAB3A94C-9C72-0747-8FB6-82C2F499228E}" srcOrd="0" destOrd="0" presId="urn:microsoft.com/office/officeart/2005/8/layout/process3"/>
     <dgm:cxn modelId="{A879F088-6484-1049-B1F5-37B12D6BC691}" type="presOf" srcId="{CB8EA97E-84F2-DD4F-A077-E84B7BC4828F}" destId="{416FC7CC-C9AF-1746-8CEB-3DB0585EEB3B}" srcOrd="0" destOrd="0" presId="urn:microsoft.com/office/officeart/2005/8/layout/process3"/>
     <dgm:cxn modelId="{4EA58D95-DF1B-EA45-B63B-F8B651C935EB}" type="presOf" srcId="{66086864-94C8-7746-9F97-58F4A851DFB0}" destId="{46220053-1320-1841-8372-6B285399F5AA}" srcOrd="0" destOrd="0" presId="urn:microsoft.com/office/officeart/2005/8/layout/process3"/>
     <dgm:cxn modelId="{8718D4AC-FC25-1748-A37B-27CB96C01C35}" srcId="{9B7CE36A-1031-B144-A979-E3891C2A7A2B}" destId="{F0D9684D-5387-0346-A2F4-64DCDE0E738B}" srcOrd="0" destOrd="0" parTransId="{FC08B7DF-F2B2-DE40-91D1-A66E8E4F2A2B}" sibTransId="{9BFAF38A-AA13-6C48-BCBA-CC1E6B0BF460}"/>
@@ -4564,6 +4564,106 @@
               <a:rPr kumimoji="1" lang="zh-CN" altLang="en-US" dirty="0"/>
               <a:t>年历史的全球最大的企业管理和协同化商务解决方案供应商，为公司提供商务软件解决方案和咨询服务</a:t>
             </a:r>
+            <a:endParaRPr kumimoji="1" lang="en-US" altLang="zh-CN" dirty="0"/>
+          </a:p>
+          <a:p>
+            <a:r>
+              <a:rPr kumimoji="1" lang="zh-CN" altLang="en-US" dirty="0"/>
+              <a:t>一个查询会有时间窗口以及要查询的事件类型</a:t>
+            </a:r>
+            <a:endParaRPr kumimoji="1" lang="en-US" altLang="zh-CN" dirty="0"/>
+          </a:p>
+          <a:p>
+            <a:r>
+              <a:rPr kumimoji="1" lang="zh-CN" altLang="en-US" dirty="0"/>
+              <a:t>每种事件相当于是一个</a:t>
+            </a:r>
+            <a:r>
+              <a:rPr kumimoji="1" lang="en-US" altLang="zh-CN" dirty="0"/>
+              <a:t>Operand</a:t>
+            </a:r>
+            <a:r>
+              <a:rPr kumimoji="1" lang="zh-CN" altLang="en-US" dirty="0"/>
+              <a:t>，多个组成一个</a:t>
+            </a:r>
+            <a:r>
+              <a:rPr kumimoji="1" lang="en-US" altLang="zh-CN" dirty="0" err="1"/>
+              <a:t>OperandList</a:t>
+            </a:r>
+            <a:endParaRPr kumimoji="1" lang="en-US" altLang="zh-CN" dirty="0"/>
+          </a:p>
+          <a:p>
+            <a:r>
+              <a:rPr kumimoji="1" lang="en-US" altLang="zh-CN" dirty="0" err="1"/>
+              <a:t>PatternList</a:t>
+            </a:r>
+            <a:r>
+              <a:rPr kumimoji="1" lang="en-US" altLang="zh-CN" dirty="0"/>
+              <a:t> </a:t>
+            </a:r>
+            <a:r>
+              <a:rPr kumimoji="1" lang="zh-CN" altLang="en-US" dirty="0"/>
+              <a:t>由多个</a:t>
+            </a:r>
+            <a:r>
+              <a:rPr kumimoji="1" lang="en-US" altLang="zh-CN" dirty="0"/>
+              <a:t>operand</a:t>
+            </a:r>
+            <a:r>
+              <a:rPr kumimoji="1" lang="zh-CN" altLang="en-US" dirty="0"/>
+              <a:t>通过</a:t>
+            </a:r>
+            <a:r>
+              <a:rPr kumimoji="1" lang="en-US" altLang="zh-CN" dirty="0"/>
+              <a:t>pattern</a:t>
+            </a:r>
+            <a:r>
+              <a:rPr kumimoji="1" lang="zh-CN" altLang="en-US" dirty="0"/>
+              <a:t>操作符（</a:t>
+            </a:r>
+            <a:r>
+              <a:rPr kumimoji="1" lang="en-US" altLang="zh-CN" dirty="0"/>
+              <a:t>con</a:t>
+            </a:r>
+            <a:r>
+              <a:rPr kumimoji="1" lang="zh-CN" altLang="en-US" dirty="0"/>
+              <a:t>、</a:t>
+            </a:r>
+            <a:r>
+              <a:rPr kumimoji="1" lang="en-US" altLang="zh-CN" dirty="0"/>
+              <a:t>dis</a:t>
+            </a:r>
+            <a:r>
+              <a:rPr kumimoji="1" lang="zh-CN" altLang="en-US" dirty="0"/>
+              <a:t>、</a:t>
+            </a:r>
+            <a:r>
+              <a:rPr kumimoji="1" lang="en-US" altLang="zh-CN" dirty="0"/>
+              <a:t>neg</a:t>
+            </a:r>
+            <a:r>
+              <a:rPr kumimoji="1" lang="zh-CN" altLang="en-US" dirty="0"/>
+              <a:t>、</a:t>
+            </a:r>
+            <a:r>
+              <a:rPr kumimoji="1" lang="en-US" altLang="zh-CN" dirty="0"/>
+              <a:t>seq</a:t>
+            </a:r>
+            <a:r>
+              <a:rPr kumimoji="1" lang="zh-CN" altLang="en-US" dirty="0"/>
+              <a:t>）构成</a:t>
+            </a:r>
+            <a:endParaRPr kumimoji="1" lang="en-US" altLang="zh-CN" dirty="0"/>
+          </a:p>
+          <a:p>
+            <a:r>
+              <a:rPr kumimoji="1" lang="zh-CN" altLang="en-US" dirty="0"/>
+              <a:t>共享的基本单位</a:t>
+            </a:r>
+            <a:endParaRPr kumimoji="1" lang="en-US" altLang="zh-CN" dirty="0"/>
+          </a:p>
+          <a:p>
+            <a:endParaRPr kumimoji="1" lang="en-US" altLang="zh-CN" dirty="0"/>
           </a:p>
         </p:txBody>
       </p:sp>
@@ -11712,10 +11812,10 @@
           <a:lstStyle/>
           <a:p>
             <a:r>
-              <a:rPr lang="en" altLang="zh-CN" b="1" dirty="0"/>
+              <a:rPr lang="en" altLang="zh-CN" sz="2800" b="1" dirty="0"/>
               <a:t>Multi-Query Optimization for Complex Event Processing in SAP ESP</a:t>
             </a:r>
-            <a:endParaRPr kumimoji="1" lang="zh-CN" altLang="en-US" dirty="0"/>
+            <a:endParaRPr kumimoji="1" lang="zh-CN" altLang="en-US" sz="2800" dirty="0"/>
           </a:p>
         </p:txBody>
       </p:sp>
@@ -11735,47 +11835,216 @@
             <p:ph idx="1"/>
           </p:nvPr>
         </p:nvSpPr>
-        <p:spPr/>
+        <p:spPr>
+          <a:xfrm>
+            <a:off x="838199" y="1825625"/>
+            <a:ext cx="11172825" cy="4351338"/>
+          </a:xfrm>
+        </p:spPr>
         <p:txBody>
           <a:bodyPr/>
           <a:lstStyle/>
           <a:p>
             <a:r>
-              <a:rPr kumimoji="1" lang="zh-CN" altLang="en-US" dirty="0"/>
+              <a:rPr kumimoji="1" lang="zh-CN" altLang="en-US" sz="2400" dirty="0"/>
               <a:t>应用场景：</a:t>
             </a:r>
             <a:r>
+              <a:rPr kumimoji="1" lang="en-US" altLang="zh-CN" sz="2400" dirty="0"/>
+              <a:t>SAP </a:t>
+            </a:r>
+            <a:r>
+              <a:rPr kumimoji="1" lang="zh-CN" altLang="en-US" sz="2400" dirty="0"/>
+              <a:t>中的</a:t>
+            </a:r>
+            <a:r>
+              <a:rPr kumimoji="1" lang="en-US" altLang="zh-CN" sz="2400" dirty="0"/>
+              <a:t>Complex</a:t>
+            </a:r>
+            <a:r>
+              <a:rPr kumimoji="1" lang="zh-CN" altLang="en-US" sz="2400" dirty="0"/>
+              <a:t> </a:t>
+            </a:r>
+            <a:r>
+              <a:rPr kumimoji="1" lang="en-US" altLang="zh-CN" sz="2400" dirty="0"/>
+              <a:t>Event</a:t>
+            </a:r>
+            <a:r>
+              <a:rPr kumimoji="1" lang="zh-CN" altLang="en-US" sz="2400" dirty="0"/>
+              <a:t> </a:t>
+            </a:r>
+            <a:r>
+              <a:rPr kumimoji="1" lang="en-US" altLang="zh-CN" sz="2400" dirty="0"/>
+              <a:t>Processing</a:t>
+            </a:r>
+          </a:p>
+          <a:p>
+            <a:r>
+              <a:rPr kumimoji="1" lang="zh-CN" altLang="en-US" sz="2400" dirty="0"/>
+              <a:t>查询结构：</a:t>
+            </a:r>
+            <a:endParaRPr kumimoji="1" lang="en-US" altLang="zh-CN" sz="2400" dirty="0"/>
+          </a:p>
+          <a:p>
+            <a:pPr lvl="1"/>
+            <a:r>
+              <a:rPr kumimoji="1" lang="en-US" altLang="zh-CN" sz="2000" dirty="0"/>
+              <a:t>CCL</a:t>
+            </a:r>
+            <a:r>
+              <a:rPr kumimoji="1" lang="zh-CN" altLang="en-US" sz="2000" dirty="0"/>
+              <a:t>查询（</a:t>
+            </a:r>
+            <a:r>
+              <a:rPr kumimoji="1" lang="en-US" altLang="zh-CN" sz="2000" dirty="0"/>
+              <a:t>Continuous Computation Language</a:t>
+            </a:r>
+            <a:r>
+              <a:rPr kumimoji="1" lang="zh-CN" altLang="en-US" sz="2000" dirty="0"/>
+              <a:t>）</a:t>
+            </a:r>
+            <a:r>
+              <a:rPr kumimoji="1" lang="en-US" altLang="zh-CN" sz="2000" dirty="0"/>
+              <a:t>,</a:t>
+            </a:r>
+            <a:r>
+              <a:rPr kumimoji="1" lang="zh-CN" altLang="en-US" sz="2000" dirty="0"/>
+              <a:t>基于</a:t>
+            </a:r>
+            <a:r>
+              <a:rPr kumimoji="1" lang="en-US" altLang="zh-CN" sz="2000" dirty="0"/>
+              <a:t>SQL</a:t>
+            </a:r>
+            <a:r>
+              <a:rPr kumimoji="1" lang="zh-CN" altLang="en-US" sz="2000" dirty="0"/>
+              <a:t>，面向实时数据流，支持</a:t>
+            </a:r>
+            <a:r>
+              <a:rPr kumimoji="1" lang="en-US" altLang="zh-CN" sz="2000" dirty="0"/>
+              <a:t>pattern matching</a:t>
+            </a:r>
+          </a:p>
+          <a:p>
+            <a:pPr lvl="1"/>
+            <a:r>
+              <a:rPr kumimoji="1" lang="zh-CN" altLang="en-US" sz="2000" dirty="0"/>
+              <a:t>数据流是由事件组成的，每个事件都有类型，查询之间的共享基于事件的类型</a:t>
+            </a:r>
+            <a:endParaRPr kumimoji="1" lang="en-US" altLang="zh-CN" sz="2000" dirty="0"/>
+          </a:p>
+          <a:p>
+            <a:pPr lvl="1"/>
+            <a:endParaRPr kumimoji="1" lang="en-US" altLang="zh-CN" dirty="0"/>
+          </a:p>
+          <a:p>
+            <a:pPr lvl="1"/>
+            <a:endParaRPr kumimoji="1" lang="en-US" altLang="zh-CN" dirty="0"/>
+          </a:p>
+          <a:p>
+            <a:r>
+              <a:rPr kumimoji="1" lang="zh-CN" altLang="en-US" sz="2400" dirty="0"/>
+              <a:t>算子：</a:t>
+            </a:r>
+            <a:endParaRPr kumimoji="1" lang="en-US" altLang="zh-CN" sz="2400" dirty="0"/>
+          </a:p>
+          <a:p>
+            <a:pPr lvl="1"/>
+            <a:r>
+              <a:rPr kumimoji="1" lang="zh-CN" altLang="en-US" dirty="0"/>
+              <a:t>根据事件类型之间的关系定义关心的</a:t>
+            </a:r>
+            <a:r>
               <a:rPr kumimoji="1" lang="en-US" altLang="zh-CN" dirty="0"/>
-              <a:t>SAP </a:t>
-            </a:r>
-            <a:r>
-              <a:rPr kumimoji="1" lang="zh-CN" altLang="en-US" dirty="0"/>
-              <a:t>中的</a:t>
-            </a:r>
+              <a:t>pattern</a:t>
+            </a:r>
+          </a:p>
+          <a:p>
+            <a:pPr lvl="1"/>
             <a:r>
               <a:rPr kumimoji="1" lang="en-US" altLang="zh-CN" dirty="0"/>
-              <a:t>Complex</a:t>
-            </a:r>
-            <a:r>
-              <a:rPr kumimoji="1" lang="zh-CN" altLang="en-US" dirty="0"/>
-              <a:t> </a:t>
+              <a:t>Conjunction</a:t>
+            </a:r>
+            <a:r>
+              <a:rPr kumimoji="1" lang="zh-CN" altLang="en-US" dirty="0"/>
+              <a:t>（</a:t>
             </a:r>
             <a:r>
               <a:rPr kumimoji="1" lang="en-US" altLang="zh-CN" dirty="0"/>
-              <a:t>Event</a:t>
-            </a:r>
-            <a:r>
-              <a:rPr kumimoji="1" lang="zh-CN" altLang="en-US" dirty="0"/>
-              <a:t> </a:t>
+              <a:t>&amp;</a:t>
+            </a:r>
+            <a:r>
+              <a:rPr kumimoji="1" lang="zh-CN" altLang="en-US" dirty="0"/>
+              <a:t>）、</a:t>
             </a:r>
             <a:r>
               <a:rPr kumimoji="1" lang="en-US" altLang="zh-CN" dirty="0"/>
-              <a:t>Processing</a:t>
-            </a:r>
-            <a:endParaRPr kumimoji="1" lang="zh-CN" altLang="en-US" dirty="0"/>
+              <a:t>Disjunction</a:t>
+            </a:r>
+            <a:r>
+              <a:rPr kumimoji="1" lang="zh-CN" altLang="en-US" dirty="0"/>
+              <a:t>（</a:t>
+            </a:r>
+            <a:r>
+              <a:rPr kumimoji="1" lang="en-US" altLang="zh-CN" dirty="0"/>
+              <a:t>|</a:t>
+            </a:r>
+            <a:r>
+              <a:rPr kumimoji="1" lang="zh-CN" altLang="en-US" dirty="0"/>
+              <a:t>）、</a:t>
+            </a:r>
+            <a:r>
+              <a:rPr kumimoji="1" lang="en-US" altLang="zh-CN" dirty="0"/>
+              <a:t>Negation</a:t>
+            </a:r>
+            <a:r>
+              <a:rPr kumimoji="1" lang="zh-CN" altLang="en-US" dirty="0"/>
+              <a:t>（</a:t>
+            </a:r>
+            <a:r>
+              <a:rPr kumimoji="1" lang="en-US" altLang="zh-CN" dirty="0"/>
+              <a:t>~</a:t>
+            </a:r>
+            <a:r>
+              <a:rPr kumimoji="1" lang="zh-CN" altLang="en-US" dirty="0"/>
+              <a:t>） 、</a:t>
+            </a:r>
+            <a:r>
+              <a:rPr kumimoji="1" lang="en-US" altLang="zh-CN" dirty="0"/>
+              <a:t>Sequence</a:t>
+            </a:r>
           </a:p>
         </p:txBody>
       </p:sp>
+      <p:pic>
+        <p:nvPicPr>
+          <p:cNvPr id="4" name="内容占位符 3">
+            <a:extLst>
+              <a:ext uri="{FF2B5EF4-FFF2-40B4-BE49-F238E27FC236}">
+                <a16:creationId xmlns:a16="http://schemas.microsoft.com/office/drawing/2014/main" id="{B61EB964-66F0-4EE2-8A67-DF5D8ECAD9FE}"/>
+              </a:ext>
+            </a:extLst>
+          </p:cNvPr>
+          <p:cNvPicPr>
+            <a:picLocks noChangeAspect="1"/>
+          </p:cNvPicPr>
+          <p:nvPr/>
+        </p:nvPicPr>
+        <p:blipFill>
+          <a:blip r:embed="rId3"/>
+          <a:stretch>
+            <a:fillRect/>
+          </a:stretch>
+        </p:blipFill>
+        <p:spPr>
+          <a:xfrm>
+            <a:off x="2221729" y="3648868"/>
+            <a:ext cx="7594600" cy="1009651"/>
+          </a:xfrm>
+          <a:prstGeom prst="rect">
+            <a:avLst/>
+          </a:prstGeom>
+        </p:spPr>
+      </p:pic>
     </p:spTree>
     <p:extLst>
       <p:ext uri="{BB962C8B-B14F-4D97-AF65-F5344CB8AC3E}">
@@ -11835,38 +12104,31 @@
           </a:p>
         </p:txBody>
       </p:sp>
-      <p:pic>
-        <p:nvPicPr>
-          <p:cNvPr id="4" name="内容占位符 3">
+      <p:sp>
+        <p:nvSpPr>
+          <p:cNvPr id="3" name="内容占位符 2">
             <a:extLst>
               <a:ext uri="{FF2B5EF4-FFF2-40B4-BE49-F238E27FC236}">
-                <a16:creationId xmlns:a16="http://schemas.microsoft.com/office/drawing/2014/main" id="{D42459E0-37D0-544B-ACB6-1D10CACC2F54}"/>
+                <a16:creationId xmlns:a16="http://schemas.microsoft.com/office/drawing/2014/main" id="{5D8F9471-4E0C-4610-9E06-4C9D4472B33A}"/>
               </a:ext>
             </a:extLst>
           </p:cNvPr>
-          <p:cNvPicPr>
-            <a:picLocks noGrp="1" noChangeAspect="1"/>
-          </p:cNvPicPr>
+          <p:cNvSpPr>
+            <a:spLocks noGrp="1"/>
+          </p:cNvSpPr>
           <p:nvPr>
             <p:ph idx="1"/>
           </p:nvPr>
-        </p:nvPicPr>
-        <p:blipFill>
-          <a:blip r:embed="rId3"/>
-          <a:stretch>
-            <a:fillRect/>
-          </a:stretch>
-        </p:blipFill>
-        <p:spPr>
-          <a:xfrm>
-            <a:off x="1408051" y="2476469"/>
-            <a:ext cx="7594600" cy="1244600"/>
-          </a:xfrm>
-          <a:prstGeom prst="rect">
-            <a:avLst/>
-          </a:prstGeom>
-        </p:spPr>
-      </p:pic>
+        </p:nvSpPr>
+        <p:spPr/>
+        <p:txBody>
+          <a:bodyPr/>
+          <a:lstStyle/>
+          <a:p>
+            <a:endParaRPr lang="zh-CN" altLang="en-US"/>
+          </a:p>
+        </p:txBody>
+      </p:sp>
     </p:spTree>
     <p:extLst>
       <p:ext uri="{BB962C8B-B14F-4D97-AF65-F5344CB8AC3E}">

--- a/Hypercube.pptx
+++ b/Hypercube.pptx
@@ -5,7 +5,7 @@
     <p:sldMasterId id="2147483648" r:id="rId1"/>
   </p:sldMasterIdLst>
   <p:notesMasterIdLst>
-    <p:notesMasterId r:id="rId19"/>
+    <p:notesMasterId r:id="rId20"/>
   </p:notesMasterIdLst>
   <p:sldIdLst>
     <p:sldId id="256" r:id="rId2"/>
@@ -21,10 +21,11 @@
     <p:sldId id="267" r:id="rId12"/>
     <p:sldId id="263" r:id="rId13"/>
     <p:sldId id="271" r:id="rId14"/>
-    <p:sldId id="268" r:id="rId15"/>
-    <p:sldId id="259" r:id="rId16"/>
-    <p:sldId id="272" r:id="rId17"/>
-    <p:sldId id="273" r:id="rId18"/>
+    <p:sldId id="272" r:id="rId15"/>
+    <p:sldId id="273" r:id="rId16"/>
+    <p:sldId id="274" r:id="rId17"/>
+    <p:sldId id="268" r:id="rId18"/>
+    <p:sldId id="259" r:id="rId19"/>
   </p:sldIdLst>
   <p:sldSz cx="12192000" cy="6858000"/>
   <p:notesSz cx="6858000" cy="9144000"/>
@@ -3361,7 +3362,7 @@
           <a:p>
             <a:fld id="{36C54497-0AB4-6B48-8651-9BCE117B9331}" type="datetimeFigureOut">
               <a:rPr kumimoji="1" lang="zh-CN" altLang="en-US" smtClean="0"/>
-              <a:t>2020/11/30</a:t>
+              <a:t>2020/12/4</a:t>
             </a:fld>
             <a:endParaRPr kumimoji="1" lang="zh-CN" altLang="en-US"/>
           </a:p>
@@ -4172,111 +4173,152 @@
           <a:lstStyle/>
           <a:p>
             <a:r>
-              <a:rPr kumimoji="1" lang="zh-CN" altLang="en-US" dirty="0"/>
-              <a:t>左边公式里面的 </a:t>
-            </a:r>
-            <a:r>
               <a:rPr kumimoji="1" lang="en-US" altLang="zh-CN" dirty="0"/>
-              <a:t>Z</a:t>
-            </a:r>
-            <a:r>
-              <a:rPr kumimoji="1" lang="zh-CN" altLang="en-US" dirty="0"/>
-              <a:t> 表示一个查询是不是使用了某个</a:t>
+              <a:t>SAP</a:t>
+            </a:r>
+            <a:r>
+              <a:rPr kumimoji="1" lang="zh-CN" altLang="en-US" dirty="0"/>
+              <a:t>是一家具有</a:t>
             </a:r>
             <a:r>
               <a:rPr kumimoji="1" lang="en-US" altLang="zh-CN" dirty="0"/>
-              <a:t>subexpression</a:t>
-            </a:r>
-            <a:r>
-              <a:rPr kumimoji="1" lang="zh-CN" altLang="en-US" dirty="0"/>
-              <a:t>   </a:t>
+              <a:t>40</a:t>
+            </a:r>
+            <a:r>
+              <a:rPr kumimoji="1" lang="zh-CN" altLang="en-US" dirty="0"/>
+              <a:t>年历史的全球最大的企业管理和协同化商务解决方案供应商，为公司提供商务软件解决方案和咨询服务</a:t>
+            </a:r>
+            <a:endParaRPr kumimoji="1" lang="en-US" altLang="zh-CN" dirty="0"/>
+          </a:p>
+          <a:p>
+            <a:r>
+              <a:rPr kumimoji="1" lang="zh-CN" altLang="en-US" dirty="0"/>
+              <a:t>一个查询会有时间窗口以及要查询的事件类型</a:t>
+            </a:r>
+            <a:endParaRPr kumimoji="1" lang="en-US" altLang="zh-CN" dirty="0"/>
+          </a:p>
+          <a:p>
+            <a:r>
+              <a:rPr kumimoji="1" lang="zh-CN" altLang="en-US" dirty="0"/>
+              <a:t>每种事件相当于是一个</a:t>
             </a:r>
             <a:r>
               <a:rPr kumimoji="1" lang="en-US" altLang="zh-CN" dirty="0"/>
-              <a:t>Z</a:t>
-            </a:r>
-            <a:r>
-              <a:rPr kumimoji="1" lang="zh-CN" altLang="en-US" dirty="0"/>
-              <a:t>就是一个</a:t>
+              <a:t>Operand</a:t>
+            </a:r>
+            <a:r>
+              <a:rPr kumimoji="1" lang="zh-CN" altLang="en-US" dirty="0"/>
+              <a:t>，多个组成一个</a:t>
+            </a:r>
+            <a:r>
+              <a:rPr kumimoji="1" lang="en-US" altLang="zh-CN" dirty="0" err="1"/>
+              <a:t>OperandList</a:t>
+            </a:r>
+            <a:endParaRPr kumimoji="1" lang="en-US" altLang="zh-CN" dirty="0"/>
+          </a:p>
+          <a:p>
+            <a:r>
+              <a:rPr kumimoji="1" lang="en-US" altLang="zh-CN" dirty="0" err="1"/>
+              <a:t>PatternList</a:t>
             </a:r>
             <a:r>
               <a:rPr kumimoji="1" lang="en-US" altLang="zh-CN" dirty="0"/>
-              <a:t>0-1</a:t>
-            </a:r>
-            <a:r>
-              <a:rPr kumimoji="1" lang="zh-CN" altLang="en-US" dirty="0"/>
-              <a:t>变量</a:t>
+              <a:t> </a:t>
+            </a:r>
+            <a:r>
+              <a:rPr kumimoji="1" lang="zh-CN" altLang="en-US" dirty="0"/>
+              <a:t>由多个</a:t>
+            </a:r>
+            <a:r>
+              <a:rPr kumimoji="1" lang="en-US" altLang="zh-CN" dirty="0"/>
+              <a:t>operand</a:t>
+            </a:r>
+            <a:r>
+              <a:rPr kumimoji="1" lang="zh-CN" altLang="en-US" dirty="0"/>
+              <a:t>通过</a:t>
+            </a:r>
+            <a:r>
+              <a:rPr kumimoji="1" lang="en-US" altLang="zh-CN" dirty="0"/>
+              <a:t>pattern</a:t>
+            </a:r>
+            <a:r>
+              <a:rPr kumimoji="1" lang="zh-CN" altLang="en-US" dirty="0"/>
+              <a:t>操作符（</a:t>
+            </a:r>
+            <a:r>
+              <a:rPr kumimoji="1" lang="en-US" altLang="zh-CN" dirty="0"/>
+              <a:t>con</a:t>
+            </a:r>
+            <a:r>
+              <a:rPr kumimoji="1" lang="zh-CN" altLang="en-US" dirty="0"/>
+              <a:t>、</a:t>
+            </a:r>
+            <a:r>
+              <a:rPr kumimoji="1" lang="en-US" altLang="zh-CN" dirty="0"/>
+              <a:t>dis</a:t>
+            </a:r>
+            <a:r>
+              <a:rPr kumimoji="1" lang="zh-CN" altLang="en-US" dirty="0"/>
+              <a:t>、</a:t>
+            </a:r>
+            <a:r>
+              <a:rPr kumimoji="1" lang="en-US" altLang="zh-CN" dirty="0"/>
+              <a:t>neg</a:t>
+            </a:r>
+            <a:r>
+              <a:rPr kumimoji="1" lang="zh-CN" altLang="en-US" dirty="0"/>
+              <a:t>、</a:t>
+            </a:r>
+            <a:r>
+              <a:rPr kumimoji="1" lang="en-US" altLang="zh-CN" dirty="0"/>
+              <a:t>seq</a:t>
+            </a:r>
+            <a:r>
+              <a:rPr kumimoji="1" lang="zh-CN" altLang="en-US" dirty="0"/>
+              <a:t>）构成共享的基本单位</a:t>
             </a:r>
             <a:endParaRPr kumimoji="1" lang="en-US" altLang="zh-CN" dirty="0"/>
           </a:p>
           <a:p>
-            <a:r>
-              <a:rPr kumimoji="1" lang="zh-CN" altLang="en-US" dirty="0"/>
-              <a:t>到了右边，</a:t>
+            <a:endParaRPr kumimoji="1" lang="en-US" altLang="zh-CN" dirty="0"/>
+          </a:p>
+          <a:p>
+            <a:r>
+              <a:rPr kumimoji="1" lang="zh-CN" altLang="en-US" dirty="0"/>
+              <a:t>首先就提出不同的查询之间有相似的部分，然后可以对这些部分进行优化，这跟</a:t>
             </a:r>
             <a:r>
               <a:rPr kumimoji="1" lang="en-US" altLang="zh-CN" dirty="0"/>
-              <a:t>Z</a:t>
-            </a:r>
-            <a:r>
-              <a:rPr kumimoji="1" lang="zh-CN" altLang="en-US" dirty="0"/>
-              <a:t> 已经转化成了一个表示 </a:t>
+              <a:t>MQO</a:t>
+            </a:r>
+            <a:r>
+              <a:rPr kumimoji="1" lang="zh-CN" altLang="en-US" dirty="0"/>
+              <a:t>的工作方式和工作原理很像</a:t>
+            </a:r>
+            <a:endParaRPr kumimoji="1" lang="en-US" altLang="zh-CN" dirty="0"/>
+          </a:p>
+          <a:p>
+            <a:r>
+              <a:rPr kumimoji="1" lang="zh-CN" altLang="en-US" dirty="0"/>
+              <a:t>提到</a:t>
             </a:r>
             <a:r>
               <a:rPr kumimoji="1" lang="en-US" altLang="zh-CN" dirty="0"/>
-              <a:t>subexpression</a:t>
-            </a:r>
-            <a:r>
-              <a:rPr kumimoji="1" lang="zh-CN" altLang="en-US" dirty="0"/>
-              <a:t> 的</a:t>
+              <a:t>Pattern matching</a:t>
+            </a:r>
+            <a:r>
+              <a:rPr kumimoji="1" lang="zh-CN" altLang="en-US" dirty="0"/>
+              <a:t>，优化其实就是优化这些</a:t>
             </a:r>
             <a:r>
               <a:rPr kumimoji="1" lang="en-US" altLang="zh-CN" dirty="0"/>
-              <a:t>y</a:t>
-            </a:r>
-            <a:r>
-              <a:rPr kumimoji="1" lang="zh-CN" altLang="en-US" dirty="0"/>
-              <a:t> </a:t>
+              <a:t>pattern</a:t>
+            </a:r>
+            <a:r>
+              <a:rPr kumimoji="1" lang="zh-CN" altLang="en-US" dirty="0"/>
+              <a:t>，最大化能够优化的部分</a:t>
             </a:r>
             <a:endParaRPr kumimoji="1" lang="en-US" altLang="zh-CN" dirty="0"/>
-          </a:p>
-          <a:p>
-            <a:r>
-              <a:rPr kumimoji="1" lang="zh-CN" altLang="en-US" dirty="0"/>
-              <a:t>他们的工作难点在这里，如果</a:t>
-            </a:r>
-            <a:r>
-              <a:rPr kumimoji="1" lang="en-US" altLang="zh-CN" dirty="0"/>
-              <a:t>m</a:t>
-            </a:r>
-            <a:r>
-              <a:rPr kumimoji="1" lang="zh-CN" altLang="en-US" dirty="0"/>
-              <a:t> 和 </a:t>
-            </a:r>
-            <a:r>
-              <a:rPr kumimoji="1" lang="en-US" altLang="zh-CN" dirty="0"/>
-              <a:t>n</a:t>
-            </a:r>
-            <a:r>
-              <a:rPr kumimoji="1" lang="zh-CN" altLang="en-US" dirty="0"/>
-              <a:t>特别大的话，解决这个问题需要的工作量很大</a:t>
-            </a:r>
-            <a:endParaRPr kumimoji="1" lang="en-US" altLang="zh-CN" dirty="0"/>
-          </a:p>
-          <a:p>
-            <a:r>
-              <a:rPr kumimoji="1" lang="en-US" altLang="zh-CN" dirty="0"/>
-              <a:t>B</a:t>
-            </a:r>
-            <a:r>
-              <a:rPr kumimoji="1" lang="zh-CN" altLang="en-US" dirty="0"/>
-              <a:t>表示每个子表达式的</a:t>
-            </a:r>
-            <a:r>
-              <a:rPr kumimoji="1" lang="en-US" altLang="zh-CN" dirty="0"/>
-              <a:t>cost</a:t>
-            </a:r>
-            <a:endParaRPr kumimoji="1" lang="zh-CN" altLang="en-US" dirty="0"/>
           </a:p>
         </p:txBody>
       </p:sp>
@@ -4306,7 +4348,7 @@
     </p:spTree>
     <p:extLst>
       <p:ext uri="{BB962C8B-B14F-4D97-AF65-F5344CB8AC3E}">
-        <p14:creationId xmlns:p14="http://schemas.microsoft.com/office/powerpoint/2010/main" val="1923499180"/>
+        <p14:creationId xmlns:p14="http://schemas.microsoft.com/office/powerpoint/2010/main" val="2641018546"/>
       </p:ext>
     </p:extLst>
   </p:cSld>
@@ -4362,108 +4404,12 @@
           <a:p>
             <a:r>
               <a:rPr kumimoji="1" lang="zh-CN" altLang="en-US" dirty="0"/>
-              <a:t>三个表做链接操作：</a:t>
+              <a:t>除了利用这三种方式，论文还提到如何进一步扩展共享的可能来支持</a:t>
             </a:r>
             <a:r>
               <a:rPr kumimoji="1" lang="en-US" altLang="zh-CN" dirty="0"/>
-              <a:t>R</a:t>
-            </a:r>
-            <a:r>
-              <a:rPr kumimoji="1" lang="zh-CN" altLang="en-US" dirty="0"/>
-              <a:t>、</a:t>
-            </a:r>
-            <a:r>
-              <a:rPr kumimoji="1" lang="en-US" altLang="zh-CN" dirty="0"/>
-              <a:t>S</a:t>
-            </a:r>
-            <a:r>
-              <a:rPr kumimoji="1" lang="zh-CN" altLang="en-US" dirty="0"/>
-              <a:t>、</a:t>
-            </a:r>
-            <a:r>
-              <a:rPr kumimoji="1" lang="en-US" altLang="zh-CN" dirty="0"/>
-              <a:t>T</a:t>
-            </a:r>
-          </a:p>
-          <a:p>
-            <a:r>
-              <a:rPr kumimoji="1" lang="zh-CN" altLang="en-US" dirty="0"/>
-              <a:t>一共有</a:t>
-            </a:r>
-            <a:r>
-              <a:rPr kumimoji="1" lang="en-US" altLang="zh-CN" dirty="0"/>
-              <a:t>A</a:t>
-            </a:r>
-            <a:r>
-              <a:rPr kumimoji="1" lang="zh-CN" altLang="en-US" dirty="0"/>
-              <a:t>、</a:t>
-            </a:r>
-            <a:r>
-              <a:rPr kumimoji="1" lang="en-US" altLang="zh-CN" dirty="0"/>
-              <a:t>B</a:t>
-            </a:r>
-            <a:r>
-              <a:rPr kumimoji="1" lang="zh-CN" altLang="en-US" dirty="0"/>
-              <a:t>、</a:t>
-            </a:r>
-            <a:r>
-              <a:rPr kumimoji="1" lang="en-US" altLang="zh-CN" dirty="0"/>
-              <a:t>C</a:t>
-            </a:r>
-            <a:r>
-              <a:rPr kumimoji="1" lang="zh-CN" altLang="en-US" dirty="0"/>
-              <a:t>、</a:t>
-            </a:r>
-            <a:r>
-              <a:rPr kumimoji="1" lang="en-US" altLang="zh-CN" dirty="0"/>
-              <a:t>D</a:t>
-            </a:r>
-            <a:r>
-              <a:rPr kumimoji="1" lang="zh-CN" altLang="en-US" dirty="0"/>
-              <a:t>四个属性</a:t>
-            </a:r>
-            <a:endParaRPr kumimoji="1" lang="en-US" altLang="zh-CN" dirty="0"/>
-          </a:p>
-          <a:p>
-            <a:r>
-              <a:rPr kumimoji="1" lang="zh-CN" altLang="en-US" dirty="0"/>
-              <a:t>二维矩阵的每个维度按照</a:t>
-            </a:r>
-            <a:r>
-              <a:rPr kumimoji="1" lang="en-US" altLang="zh-CN" dirty="0"/>
-              <a:t>B</a:t>
-            </a:r>
-            <a:r>
-              <a:rPr kumimoji="1" lang="zh-CN" altLang="en-US" dirty="0"/>
-              <a:t>、</a:t>
-            </a:r>
-            <a:r>
-              <a:rPr kumimoji="1" lang="en-US" altLang="zh-CN" dirty="0"/>
-              <a:t>C</a:t>
-            </a:r>
-            <a:r>
-              <a:rPr kumimoji="1" lang="zh-CN" altLang="en-US" dirty="0"/>
-              <a:t>两个属性划分（把</a:t>
-            </a:r>
-            <a:r>
-              <a:rPr kumimoji="1" lang="en-US" altLang="zh-CN" dirty="0"/>
-              <a:t>B</a:t>
-            </a:r>
-            <a:r>
-              <a:rPr kumimoji="1" lang="zh-CN" altLang="en-US" dirty="0"/>
-              <a:t>、</a:t>
-            </a:r>
-            <a:r>
-              <a:rPr kumimoji="1" lang="en-US" altLang="zh-CN" dirty="0"/>
-              <a:t>C</a:t>
-            </a:r>
-            <a:r>
-              <a:rPr kumimoji="1" lang="zh-CN" altLang="en-US" dirty="0"/>
-              <a:t>属性分别映射到四个属性上）</a:t>
-            </a:r>
-            <a:endParaRPr kumimoji="1" lang="en-US" altLang="zh-CN" dirty="0"/>
-          </a:p>
-          <a:p>
+              <a:t>nested pattern query and query with different window size</a:t>
+            </a:r>
             <a:endParaRPr kumimoji="1" lang="zh-CN" altLang="en-US" dirty="0"/>
           </a:p>
         </p:txBody>
@@ -4494,7 +4440,7 @@
     </p:spTree>
     <p:extLst>
       <p:ext uri="{BB962C8B-B14F-4D97-AF65-F5344CB8AC3E}">
-        <p14:creationId xmlns:p14="http://schemas.microsoft.com/office/powerpoint/2010/main" val="2887669813"/>
+        <p14:creationId xmlns:p14="http://schemas.microsoft.com/office/powerpoint/2010/main" val="62524150"/>
       </p:ext>
     </p:extLst>
   </p:cSld>
@@ -4549,121 +4495,111 @@
           <a:lstStyle/>
           <a:p>
             <a:r>
-              <a:rPr kumimoji="1" lang="en-US" altLang="zh-CN" dirty="0"/>
-              <a:t>SAP</a:t>
-            </a:r>
-            <a:r>
-              <a:rPr kumimoji="1" lang="zh-CN" altLang="en-US" dirty="0"/>
-              <a:t>是一家具有</a:t>
-            </a:r>
-            <a:r>
-              <a:rPr kumimoji="1" lang="en-US" altLang="zh-CN" dirty="0"/>
-              <a:t>40</a:t>
-            </a:r>
-            <a:r>
-              <a:rPr kumimoji="1" lang="zh-CN" altLang="en-US" dirty="0"/>
-              <a:t>年历史的全球最大的企业管理和协同化商务解决方案供应商，为公司提供商务软件解决方案和咨询服务</a:t>
-            </a:r>
-            <a:endParaRPr kumimoji="1" lang="en-US" altLang="zh-CN" dirty="0"/>
-          </a:p>
-          <a:p>
-            <a:r>
-              <a:rPr kumimoji="1" lang="zh-CN" altLang="en-US" dirty="0"/>
-              <a:t>一个查询会有时间窗口以及要查询的事件类型</a:t>
-            </a:r>
-            <a:endParaRPr kumimoji="1" lang="en-US" altLang="zh-CN" dirty="0"/>
-          </a:p>
-          <a:p>
-            <a:r>
-              <a:rPr kumimoji="1" lang="zh-CN" altLang="en-US" dirty="0"/>
-              <a:t>每种事件相当于是一个</a:t>
-            </a:r>
-            <a:r>
-              <a:rPr kumimoji="1" lang="en-US" altLang="zh-CN" dirty="0"/>
-              <a:t>Operand</a:t>
-            </a:r>
-            <a:r>
-              <a:rPr kumimoji="1" lang="zh-CN" altLang="en-US" dirty="0"/>
-              <a:t>，多个组成一个</a:t>
-            </a:r>
-            <a:r>
-              <a:rPr kumimoji="1" lang="en-US" altLang="zh-CN" dirty="0" err="1"/>
-              <a:t>OperandList</a:t>
-            </a:r>
-            <a:endParaRPr kumimoji="1" lang="en-US" altLang="zh-CN" dirty="0"/>
-          </a:p>
-          <a:p>
-            <a:r>
-              <a:rPr kumimoji="1" lang="en-US" altLang="zh-CN" dirty="0" err="1"/>
-              <a:t>PatternList</a:t>
-            </a:r>
-            <a:r>
-              <a:rPr kumimoji="1" lang="en-US" altLang="zh-CN" dirty="0"/>
-              <a:t> </a:t>
-            </a:r>
-            <a:r>
-              <a:rPr kumimoji="1" lang="zh-CN" altLang="en-US" dirty="0"/>
-              <a:t>由多个</a:t>
-            </a:r>
-            <a:r>
-              <a:rPr kumimoji="1" lang="en-US" altLang="zh-CN" dirty="0"/>
-              <a:t>operand</a:t>
-            </a:r>
-            <a:r>
-              <a:rPr kumimoji="1" lang="zh-CN" altLang="en-US" dirty="0"/>
-              <a:t>通过</a:t>
-            </a:r>
-            <a:r>
-              <a:rPr kumimoji="1" lang="en-US" altLang="zh-CN" dirty="0"/>
-              <a:t>pattern</a:t>
-            </a:r>
-            <a:r>
-              <a:rPr kumimoji="1" lang="zh-CN" altLang="en-US" dirty="0"/>
-              <a:t>操作符（</a:t>
-            </a:r>
-            <a:r>
-              <a:rPr kumimoji="1" lang="en-US" altLang="zh-CN" dirty="0"/>
-              <a:t>con</a:t>
-            </a:r>
-            <a:r>
-              <a:rPr kumimoji="1" lang="zh-CN" altLang="en-US" dirty="0"/>
-              <a:t>、</a:t>
-            </a:r>
-            <a:r>
-              <a:rPr kumimoji="1" lang="en-US" altLang="zh-CN" dirty="0"/>
-              <a:t>dis</a:t>
-            </a:r>
-            <a:r>
-              <a:rPr kumimoji="1" lang="zh-CN" altLang="en-US" dirty="0"/>
-              <a:t>、</a:t>
-            </a:r>
-            <a:r>
-              <a:rPr kumimoji="1" lang="en-US" altLang="zh-CN" dirty="0"/>
-              <a:t>neg</a:t>
-            </a:r>
-            <a:r>
-              <a:rPr kumimoji="1" lang="zh-CN" altLang="en-US" dirty="0"/>
-              <a:t>、</a:t>
-            </a:r>
-            <a:r>
-              <a:rPr kumimoji="1" lang="en-US" altLang="zh-CN" dirty="0"/>
-              <a:t>seq</a:t>
-            </a:r>
-            <a:r>
-              <a:rPr kumimoji="1" lang="zh-CN" altLang="en-US" dirty="0"/>
-              <a:t>）构成</a:t>
-            </a:r>
-            <a:endParaRPr kumimoji="1" lang="en-US" altLang="zh-CN" dirty="0"/>
-          </a:p>
-          <a:p>
-            <a:r>
-              <a:rPr kumimoji="1" lang="zh-CN" altLang="en-US" dirty="0"/>
-              <a:t>共享的基本单位</a:t>
-            </a:r>
-            <a:endParaRPr kumimoji="1" lang="en-US" altLang="zh-CN" dirty="0"/>
-          </a:p>
-          <a:p>
-            <a:endParaRPr kumimoji="1" lang="en-US" altLang="zh-CN" dirty="0"/>
+              <a:rPr lang="en-US" altLang="zh-CN" dirty="0"/>
+              <a:t>CEP</a:t>
+            </a:r>
+            <a:r>
+              <a:rPr lang="zh-CN" altLang="en-US" dirty="0"/>
+              <a:t>：</a:t>
+            </a:r>
+            <a:r>
+              <a:rPr lang="en-US" altLang="zh-CN" dirty="0"/>
+              <a:t>is a prominent technology used in many modern applications for monitoring and tracking events of interest in massive data streams.</a:t>
+            </a:r>
+          </a:p>
+          <a:p>
+            <a:r>
+              <a:rPr lang="en-US" altLang="zh-CN" dirty="0"/>
+              <a:t>CEP engines inspect real-time information flows and attempt to detect combinations of occurrences matching predefined patterns.</a:t>
+            </a:r>
+          </a:p>
+          <a:p>
+            <a:r>
+              <a:rPr lang="en-US" altLang="zh-CN" dirty="0"/>
+              <a:t>Join Query</a:t>
+            </a:r>
+            <a:r>
+              <a:rPr lang="zh-CN" altLang="en-US" dirty="0"/>
+              <a:t>：面向的只是</a:t>
+            </a:r>
+            <a:r>
+              <a:rPr lang="en-US" altLang="zh-CN" dirty="0"/>
+              <a:t>join</a:t>
+            </a:r>
+            <a:r>
+              <a:rPr lang="zh-CN" altLang="en-US" dirty="0"/>
+              <a:t>操作，并不是前面提到的</a:t>
+            </a:r>
+            <a:r>
+              <a:rPr lang="en-US" altLang="zh-CN" dirty="0"/>
+              <a:t>MQO</a:t>
+            </a:r>
+          </a:p>
+          <a:p>
+            <a:r>
+              <a:rPr lang="zh-CN" altLang="en-US" dirty="0"/>
+              <a:t>其实“检测某种模式是否出现了”也是一种查询</a:t>
+            </a:r>
+            <a:endParaRPr lang="en-US" altLang="zh-CN" dirty="0"/>
+          </a:p>
+          <a:p>
+            <a:r>
+              <a:rPr lang="zh-CN" altLang="en-US" dirty="0"/>
+              <a:t>非确定性有限自动机</a:t>
+            </a:r>
+            <a:endParaRPr lang="en-US" altLang="zh-CN" dirty="0"/>
+          </a:p>
+          <a:p>
+            <a:endParaRPr lang="en-US" altLang="zh-CN" dirty="0"/>
+          </a:p>
+          <a:p>
+            <a:r>
+              <a:rPr lang="zh-CN" altLang="en-US" dirty="0"/>
+              <a:t>可以将</a:t>
+            </a:r>
+            <a:r>
+              <a:rPr lang="en-US" altLang="zh-CN" dirty="0"/>
+              <a:t>JQO</a:t>
+            </a:r>
+            <a:r>
+              <a:rPr lang="zh-CN" altLang="en-US" dirty="0"/>
+              <a:t>的方法应用到</a:t>
+            </a:r>
+            <a:r>
+              <a:rPr lang="en-US" altLang="zh-CN" dirty="0"/>
+              <a:t>CEP</a:t>
+            </a:r>
+            <a:r>
+              <a:rPr lang="zh-CN" altLang="en-US" dirty="0"/>
+              <a:t>的基础在于任何一个</a:t>
+            </a:r>
+            <a:r>
+              <a:rPr lang="en-US" altLang="zh-CN" dirty="0"/>
+              <a:t>CEP plan generation </a:t>
+            </a:r>
+            <a:r>
+              <a:rPr lang="zh-CN" altLang="en-US" dirty="0"/>
+              <a:t>都可以转化为一个 </a:t>
+            </a:r>
+            <a:r>
+              <a:rPr lang="en-US" altLang="zh-CN" dirty="0"/>
+              <a:t>Join Query Plan Generation</a:t>
+            </a:r>
+          </a:p>
+          <a:p>
+            <a:r>
+              <a:rPr lang="zh-CN" altLang="en-US" dirty="0"/>
+              <a:t>优化目标是让中间结果最少：对于一个新来的 </a:t>
+            </a:r>
+            <a:r>
+              <a:rPr lang="en-US" altLang="zh-CN" dirty="0"/>
+              <a:t>primitive event</a:t>
+            </a:r>
+            <a:r>
+              <a:rPr lang="zh-CN" altLang="en-US" dirty="0"/>
+              <a:t>，它需要和缓存的所有中间结果结合来看是不是被匹配上了，所以缓存的中间结果数量影响很大</a:t>
+            </a:r>
+            <a:endParaRPr lang="en-US" altLang="zh-CN" dirty="0"/>
           </a:p>
         </p:txBody>
       </p:sp>
@@ -4693,7 +4629,7 @@
     </p:spTree>
     <p:extLst>
       <p:ext uri="{BB962C8B-B14F-4D97-AF65-F5344CB8AC3E}">
-        <p14:creationId xmlns:p14="http://schemas.microsoft.com/office/powerpoint/2010/main" val="2641018546"/>
+        <p14:creationId xmlns:p14="http://schemas.microsoft.com/office/powerpoint/2010/main" val="2516107739"/>
       </p:ext>
     </p:extLst>
   </p:cSld>
@@ -4749,12 +4685,110 @@
           <a:p>
             <a:r>
               <a:rPr kumimoji="1" lang="zh-CN" altLang="en-US" dirty="0"/>
-              <a:t>会有一个</a:t>
-            </a:r>
-            <a:r>
-              <a:rPr kumimoji="1" lang="zh-CN" altLang="en-US"/>
-              <a:t>时间窗口</a:t>
-            </a:r>
+              <a:t>左边公式里面的 </a:t>
+            </a:r>
+            <a:r>
+              <a:rPr kumimoji="1" lang="en-US" altLang="zh-CN" dirty="0"/>
+              <a:t>Z</a:t>
+            </a:r>
+            <a:r>
+              <a:rPr kumimoji="1" lang="zh-CN" altLang="en-US" dirty="0"/>
+              <a:t> 表示一个查询是不是使用了某个</a:t>
+            </a:r>
+            <a:r>
+              <a:rPr kumimoji="1" lang="en-US" altLang="zh-CN" dirty="0"/>
+              <a:t>subexpression</a:t>
+            </a:r>
+            <a:r>
+              <a:rPr kumimoji="1" lang="zh-CN" altLang="en-US" dirty="0"/>
+              <a:t>   </a:t>
+            </a:r>
+            <a:r>
+              <a:rPr kumimoji="1" lang="en-US" altLang="zh-CN" dirty="0"/>
+              <a:t>Z</a:t>
+            </a:r>
+            <a:r>
+              <a:rPr kumimoji="1" lang="zh-CN" altLang="en-US" dirty="0"/>
+              <a:t>就是一个</a:t>
+            </a:r>
+            <a:r>
+              <a:rPr kumimoji="1" lang="en-US" altLang="zh-CN" dirty="0"/>
+              <a:t>0-1</a:t>
+            </a:r>
+            <a:r>
+              <a:rPr kumimoji="1" lang="zh-CN" altLang="en-US" dirty="0"/>
+              <a:t>变量</a:t>
+            </a:r>
+            <a:endParaRPr kumimoji="1" lang="en-US" altLang="zh-CN" dirty="0"/>
+          </a:p>
+          <a:p>
+            <a:r>
+              <a:rPr kumimoji="1" lang="zh-CN" altLang="en-US" dirty="0"/>
+              <a:t>到了右边，</a:t>
+            </a:r>
+            <a:r>
+              <a:rPr kumimoji="1" lang="en-US" altLang="zh-CN" dirty="0"/>
+              <a:t>Z</a:t>
+            </a:r>
+            <a:r>
+              <a:rPr kumimoji="1" lang="zh-CN" altLang="en-US" dirty="0"/>
+              <a:t> 已经转化成了一个表示 </a:t>
+            </a:r>
+            <a:r>
+              <a:rPr kumimoji="1" lang="en-US" altLang="zh-CN" dirty="0"/>
+              <a:t>subexpression</a:t>
+            </a:r>
+            <a:r>
+              <a:rPr kumimoji="1" lang="zh-CN" altLang="en-US" dirty="0"/>
+              <a:t> 的</a:t>
+            </a:r>
+            <a:r>
+              <a:rPr kumimoji="1" lang="en-US" altLang="zh-CN" dirty="0"/>
+              <a:t>y</a:t>
+            </a:r>
+            <a:r>
+              <a:rPr kumimoji="1" lang="zh-CN" altLang="en-US" dirty="0"/>
+              <a:t> </a:t>
+            </a:r>
+            <a:endParaRPr kumimoji="1" lang="en-US" altLang="zh-CN" dirty="0"/>
+          </a:p>
+          <a:p>
+            <a:r>
+              <a:rPr kumimoji="1" lang="zh-CN" altLang="en-US" dirty="0"/>
+              <a:t>他们的工作难点在这里，如果</a:t>
+            </a:r>
+            <a:r>
+              <a:rPr kumimoji="1" lang="en-US" altLang="zh-CN" dirty="0"/>
+              <a:t>m</a:t>
+            </a:r>
+            <a:r>
+              <a:rPr kumimoji="1" lang="zh-CN" altLang="en-US" dirty="0"/>
+              <a:t> 和 </a:t>
+            </a:r>
+            <a:r>
+              <a:rPr kumimoji="1" lang="en-US" altLang="zh-CN" dirty="0"/>
+              <a:t>n</a:t>
+            </a:r>
+            <a:r>
+              <a:rPr kumimoji="1" lang="zh-CN" altLang="en-US" dirty="0"/>
+              <a:t>特别大的话，解决这个问题需要的工作量很大</a:t>
+            </a:r>
+            <a:endParaRPr kumimoji="1" lang="en-US" altLang="zh-CN" dirty="0"/>
+          </a:p>
+          <a:p>
+            <a:r>
+              <a:rPr kumimoji="1" lang="en-US" altLang="zh-CN" dirty="0"/>
+              <a:t>B</a:t>
+            </a:r>
+            <a:r>
+              <a:rPr kumimoji="1" lang="zh-CN" altLang="en-US" dirty="0"/>
+              <a:t>表示每个子表达式的</a:t>
+            </a:r>
+            <a:r>
+              <a:rPr kumimoji="1" lang="en-US" altLang="zh-CN" dirty="0"/>
+              <a:t>cost</a:t>
+            </a:r>
+            <a:endParaRPr kumimoji="1" lang="zh-CN" altLang="en-US" dirty="0"/>
           </a:p>
         </p:txBody>
       </p:sp>
@@ -4784,7 +4818,195 @@
     </p:spTree>
     <p:extLst>
       <p:ext uri="{BB962C8B-B14F-4D97-AF65-F5344CB8AC3E}">
-        <p14:creationId xmlns:p14="http://schemas.microsoft.com/office/powerpoint/2010/main" val="62524150"/>
+        <p14:creationId xmlns:p14="http://schemas.microsoft.com/office/powerpoint/2010/main" val="1923499180"/>
+      </p:ext>
+    </p:extLst>
+  </p:cSld>
+  <p:clrMapOvr>
+    <a:masterClrMapping/>
+  </p:clrMapOvr>
+</p:notes>
+</file>
+
+<file path=ppt/notesSlides/notesSlide15.xml><?xml version="1.0" encoding="utf-8"?>
+<p:notes xmlns:a="http://schemas.openxmlformats.org/drawingml/2006/main" xmlns:r="http://schemas.openxmlformats.org/officeDocument/2006/relationships" xmlns:p="http://schemas.openxmlformats.org/presentationml/2006/main">
+  <p:cSld>
+    <p:spTree>
+      <p:nvGrpSpPr>
+        <p:cNvPr id="1" name=""/>
+        <p:cNvGrpSpPr/>
+        <p:nvPr/>
+      </p:nvGrpSpPr>
+      <p:grpSpPr>
+        <a:xfrm>
+          <a:off x="0" y="0"/>
+          <a:ext cx="0" cy="0"/>
+          <a:chOff x="0" y="0"/>
+          <a:chExt cx="0" cy="0"/>
+        </a:xfrm>
+      </p:grpSpPr>
+      <p:sp>
+        <p:nvSpPr>
+          <p:cNvPr id="2" name="幻灯片图像占位符 1"/>
+          <p:cNvSpPr>
+            <a:spLocks noGrp="1" noRot="1" noChangeAspect="1"/>
+          </p:cNvSpPr>
+          <p:nvPr>
+            <p:ph type="sldImg"/>
+          </p:nvPr>
+        </p:nvSpPr>
+        <p:spPr/>
+      </p:sp>
+      <p:sp>
+        <p:nvSpPr>
+          <p:cNvPr id="3" name="备注占位符 2"/>
+          <p:cNvSpPr>
+            <a:spLocks noGrp="1"/>
+          </p:cNvSpPr>
+          <p:nvPr>
+            <p:ph type="body" idx="1"/>
+          </p:nvPr>
+        </p:nvSpPr>
+        <p:spPr/>
+        <p:txBody>
+          <a:bodyPr/>
+          <a:lstStyle/>
+          <a:p>
+            <a:r>
+              <a:rPr kumimoji="1" lang="zh-CN" altLang="en-US" dirty="0"/>
+              <a:t>三个表做链接操作：</a:t>
+            </a:r>
+            <a:r>
+              <a:rPr kumimoji="1" lang="en-US" altLang="zh-CN" dirty="0"/>
+              <a:t>R</a:t>
+            </a:r>
+            <a:r>
+              <a:rPr kumimoji="1" lang="zh-CN" altLang="en-US" dirty="0"/>
+              <a:t>、</a:t>
+            </a:r>
+            <a:r>
+              <a:rPr kumimoji="1" lang="en-US" altLang="zh-CN" dirty="0"/>
+              <a:t>S</a:t>
+            </a:r>
+            <a:r>
+              <a:rPr kumimoji="1" lang="zh-CN" altLang="en-US" dirty="0"/>
+              <a:t>、</a:t>
+            </a:r>
+            <a:r>
+              <a:rPr kumimoji="1" lang="en-US" altLang="zh-CN" dirty="0"/>
+              <a:t>T</a:t>
+            </a:r>
+          </a:p>
+          <a:p>
+            <a:r>
+              <a:rPr kumimoji="1" lang="zh-CN" altLang="en-US" dirty="0"/>
+              <a:t>一共有</a:t>
+            </a:r>
+            <a:r>
+              <a:rPr kumimoji="1" lang="en-US" altLang="zh-CN" dirty="0"/>
+              <a:t>A</a:t>
+            </a:r>
+            <a:r>
+              <a:rPr kumimoji="1" lang="zh-CN" altLang="en-US" dirty="0"/>
+              <a:t>、</a:t>
+            </a:r>
+            <a:r>
+              <a:rPr kumimoji="1" lang="en-US" altLang="zh-CN" dirty="0"/>
+              <a:t>B</a:t>
+            </a:r>
+            <a:r>
+              <a:rPr kumimoji="1" lang="zh-CN" altLang="en-US" dirty="0"/>
+              <a:t>、</a:t>
+            </a:r>
+            <a:r>
+              <a:rPr kumimoji="1" lang="en-US" altLang="zh-CN" dirty="0"/>
+              <a:t>C</a:t>
+            </a:r>
+            <a:r>
+              <a:rPr kumimoji="1" lang="zh-CN" altLang="en-US" dirty="0"/>
+              <a:t>、</a:t>
+            </a:r>
+            <a:r>
+              <a:rPr kumimoji="1" lang="en-US" altLang="zh-CN" dirty="0"/>
+              <a:t>D</a:t>
+            </a:r>
+            <a:r>
+              <a:rPr kumimoji="1" lang="zh-CN" altLang="en-US" dirty="0"/>
+              <a:t>四个属性</a:t>
+            </a:r>
+            <a:endParaRPr kumimoji="1" lang="en-US" altLang="zh-CN" dirty="0"/>
+          </a:p>
+          <a:p>
+            <a:r>
+              <a:rPr kumimoji="1" lang="zh-CN" altLang="en-US" dirty="0"/>
+              <a:t>二维矩阵的每个维度按照</a:t>
+            </a:r>
+            <a:r>
+              <a:rPr kumimoji="1" lang="en-US" altLang="zh-CN" dirty="0"/>
+              <a:t>B</a:t>
+            </a:r>
+            <a:r>
+              <a:rPr kumimoji="1" lang="zh-CN" altLang="en-US" dirty="0"/>
+              <a:t>、</a:t>
+            </a:r>
+            <a:r>
+              <a:rPr kumimoji="1" lang="en-US" altLang="zh-CN" dirty="0"/>
+              <a:t>C</a:t>
+            </a:r>
+            <a:r>
+              <a:rPr kumimoji="1" lang="zh-CN" altLang="en-US" dirty="0"/>
+              <a:t>两个属性划分（把</a:t>
+            </a:r>
+            <a:r>
+              <a:rPr kumimoji="1" lang="en-US" altLang="zh-CN" dirty="0"/>
+              <a:t>B</a:t>
+            </a:r>
+            <a:r>
+              <a:rPr kumimoji="1" lang="zh-CN" altLang="en-US" dirty="0"/>
+              <a:t>、</a:t>
+            </a:r>
+            <a:r>
+              <a:rPr kumimoji="1" lang="en-US" altLang="zh-CN" dirty="0"/>
+              <a:t>C</a:t>
+            </a:r>
+            <a:r>
+              <a:rPr kumimoji="1" lang="zh-CN" altLang="en-US" dirty="0"/>
+              <a:t>属性分别映射到四个属性上）</a:t>
+            </a:r>
+            <a:endParaRPr kumimoji="1" lang="en-US" altLang="zh-CN" dirty="0"/>
+          </a:p>
+          <a:p>
+            <a:endParaRPr kumimoji="1" lang="zh-CN" altLang="en-US" dirty="0"/>
+          </a:p>
+        </p:txBody>
+      </p:sp>
+      <p:sp>
+        <p:nvSpPr>
+          <p:cNvPr id="4" name="灯片编号占位符 3"/>
+          <p:cNvSpPr>
+            <a:spLocks noGrp="1"/>
+          </p:cNvSpPr>
+          <p:nvPr>
+            <p:ph type="sldNum" sz="quarter" idx="5"/>
+          </p:nvPr>
+        </p:nvSpPr>
+        <p:spPr/>
+        <p:txBody>
+          <a:bodyPr/>
+          <a:lstStyle/>
+          <a:p>
+            <a:fld id="{4DC679C0-BFFC-A840-93AA-2552B0E634CA}" type="slidenum">
+              <a:rPr kumimoji="1" lang="zh-CN" altLang="en-US" smtClean="0"/>
+              <a:t>18</a:t>
+            </a:fld>
+            <a:endParaRPr kumimoji="1" lang="zh-CN" altLang="en-US"/>
+          </a:p>
+        </p:txBody>
+      </p:sp>
+    </p:spTree>
+    <p:extLst>
+      <p:ext uri="{BB962C8B-B14F-4D97-AF65-F5344CB8AC3E}">
+        <p14:creationId xmlns:p14="http://schemas.microsoft.com/office/powerpoint/2010/main" val="2887669813"/>
       </p:ext>
     </p:extLst>
   </p:cSld>
@@ -4840,7 +5062,7 @@
           <a:p>
             <a:r>
               <a:rPr kumimoji="1" lang="zh-CN" altLang="en-US" dirty="0"/>
-              <a:t>引用这篇论文的，主要是做</a:t>
+              <a:t>引用这篇论文的，主要是做数据库</a:t>
             </a:r>
             <a:r>
               <a:rPr kumimoji="1" lang="en-US" altLang="zh-CN" dirty="0"/>
@@ -5260,6 +5482,63 @@
             </a:r>
             <a:endParaRPr kumimoji="1" lang="en-US" altLang="zh-CN" dirty="0"/>
           </a:p>
+          <a:p>
+            <a:r>
+              <a:rPr kumimoji="1" lang="zh-CN" altLang="en-US" dirty="0"/>
+              <a:t>应用</a:t>
+            </a:r>
+            <a:r>
+              <a:rPr kumimoji="1" lang="en-US" altLang="zh-CN" dirty="0"/>
+              <a:t>cache</a:t>
+            </a:r>
+            <a:r>
+              <a:rPr kumimoji="1" lang="zh-CN" altLang="en-US" dirty="0"/>
+              <a:t>和</a:t>
+            </a:r>
+            <a:r>
+              <a:rPr kumimoji="1" lang="en-US" altLang="zh-CN" dirty="0"/>
+              <a:t>MQO</a:t>
+            </a:r>
+            <a:r>
+              <a:rPr kumimoji="1" lang="zh-CN" altLang="en-US" dirty="0"/>
+              <a:t>技术</a:t>
+            </a:r>
+            <a:endParaRPr kumimoji="1" lang="en-US" altLang="zh-CN" dirty="0"/>
+          </a:p>
+          <a:p>
+            <a:r>
+              <a:rPr kumimoji="1" lang="zh-CN" altLang="en-US" dirty="0"/>
+              <a:t>这里提到</a:t>
+            </a:r>
+            <a:r>
+              <a:rPr kumimoji="1" lang="en-US" altLang="zh-CN" dirty="0"/>
+              <a:t>MQO</a:t>
+            </a:r>
+            <a:r>
+              <a:rPr kumimoji="1" lang="zh-CN" altLang="en-US" dirty="0"/>
+              <a:t>经常用的三种方法：</a:t>
+            </a:r>
+            <a:r>
+              <a:rPr kumimoji="1" lang="en-US" altLang="zh-CN" dirty="0"/>
+              <a:t>sharing sub-expression</a:t>
+            </a:r>
+            <a:r>
+              <a:rPr kumimoji="1" lang="zh-CN" altLang="en-US" dirty="0"/>
+              <a:t>、</a:t>
+            </a:r>
+            <a:r>
+              <a:rPr kumimoji="1" lang="en-US" altLang="zh-CN" dirty="0"/>
+              <a:t>materialized views selection</a:t>
+            </a:r>
+            <a:r>
+              <a:rPr kumimoji="1" lang="zh-CN" altLang="en-US" dirty="0"/>
+              <a:t>、</a:t>
+            </a:r>
+            <a:r>
+              <a:rPr kumimoji="1" lang="en-US" altLang="zh-CN" dirty="0"/>
+              <a:t>pipelining</a:t>
+            </a:r>
+          </a:p>
         </p:txBody>
       </p:sp>
       <p:sp>
@@ -5872,7 +6151,31 @@
                 <a:ea typeface="+mn-ea"/>
                 <a:cs typeface="+mn-cs"/>
               </a:rPr>
-              <a:t>根据当前的查询来选取要缓存的结果，并不考虑之后对整体的负载影响</a:t>
+              <a:t>根据当前的查询来选取要缓存的结果（</a:t>
+            </a:r>
+            <a:r>
+              <a:rPr kumimoji="1" lang="en-US" altLang="zh-CN" sz="1200" kern="1200" dirty="0">
+                <a:solidFill>
+                  <a:schemeClr val="tx1"/>
+                </a:solidFill>
+                <a:effectLst/>
+                <a:latin typeface="+mn-lt"/>
+                <a:ea typeface="+mn-ea"/>
+                <a:cs typeface="+mn-cs"/>
+              </a:rPr>
+              <a:t>Cache</a:t>
+            </a:r>
+            <a:r>
+              <a:rPr kumimoji="1" lang="zh-CN" altLang="en-US" sz="1200" kern="1200" dirty="0">
+                <a:solidFill>
+                  <a:schemeClr val="tx1"/>
+                </a:solidFill>
+                <a:effectLst/>
+                <a:latin typeface="+mn-lt"/>
+                <a:ea typeface="+mn-ea"/>
+                <a:cs typeface="+mn-cs"/>
+              </a:rPr>
+              <a:t>），并不考虑之后对整体的负载影响</a:t>
             </a:r>
             <a:endParaRPr kumimoji="1" lang="en-US" altLang="zh-CN" sz="1200" kern="1200" dirty="0">
               <a:solidFill>
@@ -6317,7 +6620,7 @@
           <a:p>
             <a:fld id="{1A672227-9AE1-604A-9C86-A5AA5B738411}" type="datetimeFigureOut">
               <a:rPr kumimoji="1" lang="zh-CN" altLang="en-US" smtClean="0"/>
-              <a:t>2020/11/30</a:t>
+              <a:t>2020/12/4</a:t>
             </a:fld>
             <a:endParaRPr kumimoji="1" lang="zh-CN" altLang="en-US"/>
           </a:p>
@@ -6515,7 +6818,7 @@
           <a:p>
             <a:fld id="{1A672227-9AE1-604A-9C86-A5AA5B738411}" type="datetimeFigureOut">
               <a:rPr kumimoji="1" lang="zh-CN" altLang="en-US" smtClean="0"/>
-              <a:t>2020/11/30</a:t>
+              <a:t>2020/12/4</a:t>
             </a:fld>
             <a:endParaRPr kumimoji="1" lang="zh-CN" altLang="en-US"/>
           </a:p>
@@ -6723,7 +7026,7 @@
           <a:p>
             <a:fld id="{1A672227-9AE1-604A-9C86-A5AA5B738411}" type="datetimeFigureOut">
               <a:rPr kumimoji="1" lang="zh-CN" altLang="en-US" smtClean="0"/>
-              <a:t>2020/11/30</a:t>
+              <a:t>2020/12/4</a:t>
             </a:fld>
             <a:endParaRPr kumimoji="1" lang="zh-CN" altLang="en-US"/>
           </a:p>
@@ -6921,7 +7224,7 @@
           <a:p>
             <a:fld id="{1A672227-9AE1-604A-9C86-A5AA5B738411}" type="datetimeFigureOut">
               <a:rPr kumimoji="1" lang="zh-CN" altLang="en-US" smtClean="0"/>
-              <a:t>2020/11/30</a:t>
+              <a:t>2020/12/4</a:t>
             </a:fld>
             <a:endParaRPr kumimoji="1" lang="zh-CN" altLang="en-US"/>
           </a:p>
@@ -7196,7 +7499,7 @@
           <a:p>
             <a:fld id="{1A672227-9AE1-604A-9C86-A5AA5B738411}" type="datetimeFigureOut">
               <a:rPr kumimoji="1" lang="zh-CN" altLang="en-US" smtClean="0"/>
-              <a:t>2020/11/30</a:t>
+              <a:t>2020/12/4</a:t>
             </a:fld>
             <a:endParaRPr kumimoji="1" lang="zh-CN" altLang="en-US"/>
           </a:p>
@@ -7461,7 +7764,7 @@
           <a:p>
             <a:fld id="{1A672227-9AE1-604A-9C86-A5AA5B738411}" type="datetimeFigureOut">
               <a:rPr kumimoji="1" lang="zh-CN" altLang="en-US" smtClean="0"/>
-              <a:t>2020/11/30</a:t>
+              <a:t>2020/12/4</a:t>
             </a:fld>
             <a:endParaRPr kumimoji="1" lang="zh-CN" altLang="en-US"/>
           </a:p>
@@ -7873,7 +8176,7 @@
           <a:p>
             <a:fld id="{1A672227-9AE1-604A-9C86-A5AA5B738411}" type="datetimeFigureOut">
               <a:rPr kumimoji="1" lang="zh-CN" altLang="en-US" smtClean="0"/>
-              <a:t>2020/11/30</a:t>
+              <a:t>2020/12/4</a:t>
             </a:fld>
             <a:endParaRPr kumimoji="1" lang="zh-CN" altLang="en-US"/>
           </a:p>
@@ -8014,7 +8317,7 @@
           <a:p>
             <a:fld id="{1A672227-9AE1-604A-9C86-A5AA5B738411}" type="datetimeFigureOut">
               <a:rPr kumimoji="1" lang="zh-CN" altLang="en-US" smtClean="0"/>
-              <a:t>2020/11/30</a:t>
+              <a:t>2020/12/4</a:t>
             </a:fld>
             <a:endParaRPr kumimoji="1" lang="zh-CN" altLang="en-US"/>
           </a:p>
@@ -8127,7 +8430,7 @@
           <a:p>
             <a:fld id="{1A672227-9AE1-604A-9C86-A5AA5B738411}" type="datetimeFigureOut">
               <a:rPr kumimoji="1" lang="zh-CN" altLang="en-US" smtClean="0"/>
-              <a:t>2020/11/30</a:t>
+              <a:t>2020/12/4</a:t>
             </a:fld>
             <a:endParaRPr kumimoji="1" lang="zh-CN" altLang="en-US"/>
           </a:p>
@@ -8438,7 +8741,7 @@
           <a:p>
             <a:fld id="{1A672227-9AE1-604A-9C86-A5AA5B738411}" type="datetimeFigureOut">
               <a:rPr kumimoji="1" lang="zh-CN" altLang="en-US" smtClean="0"/>
-              <a:t>2020/11/30</a:t>
+              <a:t>2020/12/4</a:t>
             </a:fld>
             <a:endParaRPr kumimoji="1" lang="zh-CN" altLang="en-US"/>
           </a:p>
@@ -8726,7 +9029,7 @@
           <a:p>
             <a:fld id="{1A672227-9AE1-604A-9C86-A5AA5B738411}" type="datetimeFigureOut">
               <a:rPr kumimoji="1" lang="zh-CN" altLang="en-US" smtClean="0"/>
-              <a:t>2020/11/30</a:t>
+              <a:t>2020/12/4</a:t>
             </a:fld>
             <a:endParaRPr kumimoji="1" lang="zh-CN" altLang="en-US"/>
           </a:p>
@@ -8967,7 +9270,7 @@
           <a:p>
             <a:fld id="{1A672227-9AE1-604A-9C86-A5AA5B738411}" type="datetimeFigureOut">
               <a:rPr kumimoji="1" lang="zh-CN" altLang="en-US" smtClean="0"/>
-              <a:t>2020/11/30</a:t>
+              <a:t>2020/12/4</a:t>
             </a:fld>
             <a:endParaRPr kumimoji="1" lang="zh-CN" altLang="en-US"/>
           </a:p>
@@ -11271,6 +11574,737 @@
           <p:cNvPr id="2" name="标题 1">
             <a:extLst>
               <a:ext uri="{FF2B5EF4-FFF2-40B4-BE49-F238E27FC236}">
+                <a16:creationId xmlns:a16="http://schemas.microsoft.com/office/drawing/2014/main" id="{E9F6102E-971B-ED45-A317-30E634E00A03}"/>
+              </a:ext>
+            </a:extLst>
+          </p:cNvPr>
+          <p:cNvSpPr>
+            <a:spLocks noGrp="1"/>
+          </p:cNvSpPr>
+          <p:nvPr>
+            <p:ph type="title"/>
+          </p:nvPr>
+        </p:nvSpPr>
+        <p:spPr>
+          <a:xfrm>
+            <a:off x="838199" y="365125"/>
+            <a:ext cx="10850217" cy="1325563"/>
+          </a:xfrm>
+        </p:spPr>
+        <p:txBody>
+          <a:bodyPr>
+            <a:normAutofit/>
+          </a:bodyPr>
+          <a:lstStyle/>
+          <a:p>
+            <a:r>
+              <a:rPr lang="en" altLang="zh-CN" sz="2800" b="1" dirty="0"/>
+              <a:t>Multi-Query Optimization for Complex Event Processing in SAP ESP</a:t>
+            </a:r>
+            <a:endParaRPr kumimoji="1" lang="zh-CN" altLang="en-US" sz="2800" dirty="0"/>
+          </a:p>
+        </p:txBody>
+      </p:sp>
+      <p:sp>
+        <p:nvSpPr>
+          <p:cNvPr id="3" name="内容占位符 2">
+            <a:extLst>
+              <a:ext uri="{FF2B5EF4-FFF2-40B4-BE49-F238E27FC236}">
+                <a16:creationId xmlns:a16="http://schemas.microsoft.com/office/drawing/2014/main" id="{8FC139C8-2E8E-FE40-8C5D-75C7F467642E}"/>
+              </a:ext>
+            </a:extLst>
+          </p:cNvPr>
+          <p:cNvSpPr>
+            <a:spLocks noGrp="1"/>
+          </p:cNvSpPr>
+          <p:nvPr>
+            <p:ph idx="1"/>
+          </p:nvPr>
+        </p:nvSpPr>
+        <p:spPr>
+          <a:xfrm>
+            <a:off x="838199" y="1825625"/>
+            <a:ext cx="11172825" cy="4351338"/>
+          </a:xfrm>
+        </p:spPr>
+        <p:txBody>
+          <a:bodyPr/>
+          <a:lstStyle/>
+          <a:p>
+            <a:r>
+              <a:rPr kumimoji="1" lang="zh-CN" altLang="en-US" sz="2400" dirty="0"/>
+              <a:t>应用场景：</a:t>
+            </a:r>
+            <a:r>
+              <a:rPr kumimoji="1" lang="en-US" altLang="zh-CN" sz="2400" dirty="0"/>
+              <a:t>SAP </a:t>
+            </a:r>
+            <a:r>
+              <a:rPr kumimoji="1" lang="zh-CN" altLang="en-US" sz="2400" dirty="0"/>
+              <a:t>中的</a:t>
+            </a:r>
+            <a:r>
+              <a:rPr kumimoji="1" lang="en-US" altLang="zh-CN" sz="2400" dirty="0"/>
+              <a:t>Complex</a:t>
+            </a:r>
+            <a:r>
+              <a:rPr kumimoji="1" lang="zh-CN" altLang="en-US" sz="2400" dirty="0"/>
+              <a:t> </a:t>
+            </a:r>
+            <a:r>
+              <a:rPr kumimoji="1" lang="en-US" altLang="zh-CN" sz="2400" dirty="0"/>
+              <a:t>Event</a:t>
+            </a:r>
+            <a:r>
+              <a:rPr kumimoji="1" lang="zh-CN" altLang="en-US" sz="2400" dirty="0"/>
+              <a:t> </a:t>
+            </a:r>
+            <a:r>
+              <a:rPr kumimoji="1" lang="en-US" altLang="zh-CN" sz="2400" dirty="0"/>
+              <a:t>Processing</a:t>
+            </a:r>
+          </a:p>
+          <a:p>
+            <a:r>
+              <a:rPr kumimoji="1" lang="zh-CN" altLang="en-US" sz="2400" dirty="0"/>
+              <a:t>查询结构：</a:t>
+            </a:r>
+            <a:endParaRPr kumimoji="1" lang="en-US" altLang="zh-CN" sz="2400" dirty="0"/>
+          </a:p>
+          <a:p>
+            <a:pPr lvl="1"/>
+            <a:r>
+              <a:rPr kumimoji="1" lang="en-US" altLang="zh-CN" sz="2000" dirty="0"/>
+              <a:t>CCL</a:t>
+            </a:r>
+            <a:r>
+              <a:rPr kumimoji="1" lang="zh-CN" altLang="en-US" sz="2000" dirty="0"/>
+              <a:t>查询（</a:t>
+            </a:r>
+            <a:r>
+              <a:rPr kumimoji="1" lang="en-US" altLang="zh-CN" sz="2000" dirty="0"/>
+              <a:t>Continuous Computation Language</a:t>
+            </a:r>
+            <a:r>
+              <a:rPr kumimoji="1" lang="zh-CN" altLang="en-US" sz="2000" dirty="0"/>
+              <a:t>）</a:t>
+            </a:r>
+            <a:r>
+              <a:rPr kumimoji="1" lang="en-US" altLang="zh-CN" sz="2000" dirty="0"/>
+              <a:t>,</a:t>
+            </a:r>
+            <a:r>
+              <a:rPr kumimoji="1" lang="zh-CN" altLang="en-US" sz="2000" dirty="0"/>
+              <a:t>基于</a:t>
+            </a:r>
+            <a:r>
+              <a:rPr kumimoji="1" lang="en-US" altLang="zh-CN" sz="2000" dirty="0"/>
+              <a:t>SQL</a:t>
+            </a:r>
+            <a:r>
+              <a:rPr kumimoji="1" lang="zh-CN" altLang="en-US" sz="2000" dirty="0"/>
+              <a:t>，面向实时数据流，支持</a:t>
+            </a:r>
+            <a:r>
+              <a:rPr kumimoji="1" lang="en-US" altLang="zh-CN" sz="2000" dirty="0"/>
+              <a:t>pattern matching</a:t>
+            </a:r>
+          </a:p>
+          <a:p>
+            <a:pPr lvl="1"/>
+            <a:r>
+              <a:rPr kumimoji="1" lang="zh-CN" altLang="en-US" sz="2000" dirty="0"/>
+              <a:t>数据流是由事件组成的，每个事件都有类型，查询之间的共享基于事件的类型</a:t>
+            </a:r>
+            <a:endParaRPr kumimoji="1" lang="en-US" altLang="zh-CN" sz="2000" dirty="0"/>
+          </a:p>
+          <a:p>
+            <a:pPr lvl="1"/>
+            <a:endParaRPr kumimoji="1" lang="en-US" altLang="zh-CN" dirty="0"/>
+          </a:p>
+          <a:p>
+            <a:pPr lvl="1"/>
+            <a:endParaRPr kumimoji="1" lang="en-US" altLang="zh-CN" dirty="0"/>
+          </a:p>
+          <a:p>
+            <a:r>
+              <a:rPr kumimoji="1" lang="zh-CN" altLang="en-US" sz="2400" dirty="0"/>
+              <a:t>算子：</a:t>
+            </a:r>
+            <a:endParaRPr kumimoji="1" lang="en-US" altLang="zh-CN" sz="2400" dirty="0"/>
+          </a:p>
+          <a:p>
+            <a:pPr lvl="1"/>
+            <a:r>
+              <a:rPr kumimoji="1" lang="zh-CN" altLang="en-US" dirty="0"/>
+              <a:t>根据事件类型之间的关系定义关心的</a:t>
+            </a:r>
+            <a:r>
+              <a:rPr kumimoji="1" lang="en-US" altLang="zh-CN" dirty="0"/>
+              <a:t>pattern</a:t>
+            </a:r>
+          </a:p>
+          <a:p>
+            <a:pPr lvl="1"/>
+            <a:r>
+              <a:rPr kumimoji="1" lang="en-US" altLang="zh-CN" dirty="0"/>
+              <a:t>Conjunction</a:t>
+            </a:r>
+            <a:r>
+              <a:rPr kumimoji="1" lang="zh-CN" altLang="en-US" dirty="0"/>
+              <a:t>（</a:t>
+            </a:r>
+            <a:r>
+              <a:rPr kumimoji="1" lang="en-US" altLang="zh-CN" dirty="0"/>
+              <a:t>&amp;</a:t>
+            </a:r>
+            <a:r>
+              <a:rPr kumimoji="1" lang="zh-CN" altLang="en-US" dirty="0"/>
+              <a:t>）、</a:t>
+            </a:r>
+            <a:r>
+              <a:rPr kumimoji="1" lang="en-US" altLang="zh-CN" dirty="0"/>
+              <a:t>Disjunction</a:t>
+            </a:r>
+            <a:r>
+              <a:rPr kumimoji="1" lang="zh-CN" altLang="en-US" dirty="0"/>
+              <a:t>（</a:t>
+            </a:r>
+            <a:r>
+              <a:rPr kumimoji="1" lang="en-US" altLang="zh-CN" dirty="0"/>
+              <a:t>|</a:t>
+            </a:r>
+            <a:r>
+              <a:rPr kumimoji="1" lang="zh-CN" altLang="en-US" dirty="0"/>
+              <a:t>）、</a:t>
+            </a:r>
+            <a:r>
+              <a:rPr kumimoji="1" lang="en-US" altLang="zh-CN" dirty="0"/>
+              <a:t>Negation</a:t>
+            </a:r>
+            <a:r>
+              <a:rPr kumimoji="1" lang="zh-CN" altLang="en-US" dirty="0"/>
+              <a:t>（</a:t>
+            </a:r>
+            <a:r>
+              <a:rPr kumimoji="1" lang="en-US" altLang="zh-CN" dirty="0"/>
+              <a:t>~</a:t>
+            </a:r>
+            <a:r>
+              <a:rPr kumimoji="1" lang="zh-CN" altLang="en-US" dirty="0"/>
+              <a:t>） 、</a:t>
+            </a:r>
+            <a:r>
+              <a:rPr kumimoji="1" lang="en-US" altLang="zh-CN" dirty="0"/>
+              <a:t>Sequence</a:t>
+            </a:r>
+          </a:p>
+        </p:txBody>
+      </p:sp>
+      <p:pic>
+        <p:nvPicPr>
+          <p:cNvPr id="4" name="内容占位符 3">
+            <a:extLst>
+              <a:ext uri="{FF2B5EF4-FFF2-40B4-BE49-F238E27FC236}">
+                <a16:creationId xmlns:a16="http://schemas.microsoft.com/office/drawing/2014/main" id="{B61EB964-66F0-4EE2-8A67-DF5D8ECAD9FE}"/>
+              </a:ext>
+            </a:extLst>
+          </p:cNvPr>
+          <p:cNvPicPr>
+            <a:picLocks noChangeAspect="1"/>
+          </p:cNvPicPr>
+          <p:nvPr/>
+        </p:nvPicPr>
+        <p:blipFill>
+          <a:blip r:embed="rId3"/>
+          <a:stretch>
+            <a:fillRect/>
+          </a:stretch>
+        </p:blipFill>
+        <p:spPr>
+          <a:xfrm>
+            <a:off x="2221729" y="3648868"/>
+            <a:ext cx="7594600" cy="1009651"/>
+          </a:xfrm>
+          <a:prstGeom prst="rect">
+            <a:avLst/>
+          </a:prstGeom>
+        </p:spPr>
+      </p:pic>
+    </p:spTree>
+    <p:extLst>
+      <p:ext uri="{BB962C8B-B14F-4D97-AF65-F5344CB8AC3E}">
+        <p14:creationId xmlns:p14="http://schemas.microsoft.com/office/powerpoint/2010/main" val="3340229516"/>
+      </p:ext>
+    </p:extLst>
+  </p:cSld>
+  <p:clrMapOvr>
+    <a:masterClrMapping/>
+  </p:clrMapOvr>
+</p:sld>
+</file>
+
+<file path=ppt/slides/slide15.xml><?xml version="1.0" encoding="utf-8"?>
+<p:sld xmlns:a="http://schemas.openxmlformats.org/drawingml/2006/main" xmlns:r="http://schemas.openxmlformats.org/officeDocument/2006/relationships" xmlns:p="http://schemas.openxmlformats.org/presentationml/2006/main">
+  <p:cSld>
+    <p:spTree>
+      <p:nvGrpSpPr>
+        <p:cNvPr id="1" name=""/>
+        <p:cNvGrpSpPr/>
+        <p:nvPr/>
+      </p:nvGrpSpPr>
+      <p:grpSpPr>
+        <a:xfrm>
+          <a:off x="0" y="0"/>
+          <a:ext cx="0" cy="0"/>
+          <a:chOff x="0" y="0"/>
+          <a:chExt cx="0" cy="0"/>
+        </a:xfrm>
+      </p:grpSpPr>
+      <p:sp>
+        <p:nvSpPr>
+          <p:cNvPr id="2" name="标题 1">
+            <a:extLst>
+              <a:ext uri="{FF2B5EF4-FFF2-40B4-BE49-F238E27FC236}">
+                <a16:creationId xmlns:a16="http://schemas.microsoft.com/office/drawing/2014/main" id="{C2999461-038A-B245-B800-4A3637735727}"/>
+              </a:ext>
+            </a:extLst>
+          </p:cNvPr>
+          <p:cNvSpPr>
+            <a:spLocks noGrp="1"/>
+          </p:cNvSpPr>
+          <p:nvPr>
+            <p:ph type="title"/>
+          </p:nvPr>
+        </p:nvSpPr>
+        <p:spPr/>
+        <p:txBody>
+          <a:bodyPr>
+            <a:normAutofit/>
+          </a:bodyPr>
+          <a:lstStyle/>
+          <a:p>
+            <a:r>
+              <a:rPr lang="en" altLang="zh-CN" sz="2800" b="1" dirty="0"/>
+              <a:t>Multi-Query Optimization for Complex Event Processing in SAP ESP</a:t>
+            </a:r>
+            <a:endParaRPr kumimoji="1" lang="zh-CN" altLang="en-US" sz="2800" dirty="0"/>
+          </a:p>
+        </p:txBody>
+      </p:sp>
+      <p:sp>
+        <p:nvSpPr>
+          <p:cNvPr id="3" name="内容占位符 2">
+            <a:extLst>
+              <a:ext uri="{FF2B5EF4-FFF2-40B4-BE49-F238E27FC236}">
+                <a16:creationId xmlns:a16="http://schemas.microsoft.com/office/drawing/2014/main" id="{5D8F9471-4E0C-4610-9E06-4C9D4472B33A}"/>
+              </a:ext>
+            </a:extLst>
+          </p:cNvPr>
+          <p:cNvSpPr>
+            <a:spLocks noGrp="1"/>
+          </p:cNvSpPr>
+          <p:nvPr>
+            <p:ph idx="1"/>
+          </p:nvPr>
+        </p:nvSpPr>
+        <p:spPr/>
+        <p:txBody>
+          <a:bodyPr>
+            <a:normAutofit/>
+          </a:bodyPr>
+          <a:lstStyle/>
+          <a:p>
+            <a:r>
+              <a:rPr lang="zh-CN" altLang="en-US" sz="2400" dirty="0"/>
+              <a:t>目标：尽可能大的共享能够共享的部分</a:t>
+            </a:r>
+            <a:endParaRPr lang="en-US" altLang="zh-CN" sz="2400" dirty="0"/>
+          </a:p>
+          <a:p>
+            <a:r>
+              <a:rPr lang="zh-CN" altLang="en-US" sz="2400" dirty="0"/>
+              <a:t>方法：</a:t>
+            </a:r>
+            <a:endParaRPr lang="en-US" altLang="zh-CN" sz="2400" dirty="0"/>
+          </a:p>
+          <a:p>
+            <a:pPr lvl="1"/>
+            <a:r>
+              <a:rPr lang="en-US" altLang="zh-CN" sz="2000" dirty="0"/>
+              <a:t> merge sharing technique (MST)</a:t>
+            </a:r>
+          </a:p>
+          <a:p>
+            <a:pPr lvl="1"/>
+            <a:r>
+              <a:rPr lang="en-US" altLang="zh-CN" sz="2000" dirty="0"/>
+              <a:t> decomposition sharing technique (DST)</a:t>
+            </a:r>
+          </a:p>
+          <a:p>
+            <a:pPr lvl="1"/>
+            <a:r>
+              <a:rPr lang="en-US" altLang="zh-CN" sz="2000" dirty="0"/>
+              <a:t> operator transformation technique (OTT)</a:t>
+            </a:r>
+          </a:p>
+          <a:p>
+            <a:r>
+              <a:rPr lang="zh-CN" altLang="en-US" sz="2400" dirty="0"/>
+              <a:t>评价指标：</a:t>
+            </a:r>
+            <a:endParaRPr lang="en-US" altLang="zh-CN" sz="2400" dirty="0"/>
+          </a:p>
+          <a:p>
+            <a:pPr lvl="1"/>
+            <a:r>
+              <a:rPr lang="zh-CN" altLang="en-US" sz="2000" dirty="0"/>
+              <a:t>运行时间、吞吐率</a:t>
+            </a:r>
+          </a:p>
+        </p:txBody>
+      </p:sp>
+    </p:spTree>
+    <p:extLst>
+      <p:ext uri="{BB962C8B-B14F-4D97-AF65-F5344CB8AC3E}">
+        <p14:creationId xmlns:p14="http://schemas.microsoft.com/office/powerpoint/2010/main" val="2906396659"/>
+      </p:ext>
+    </p:extLst>
+  </p:cSld>
+  <p:clrMapOvr>
+    <a:masterClrMapping/>
+  </p:clrMapOvr>
+</p:sld>
+</file>
+
+<file path=ppt/slides/slide16.xml><?xml version="1.0" encoding="utf-8"?>
+<p:sld xmlns:a="http://schemas.openxmlformats.org/drawingml/2006/main" xmlns:r="http://schemas.openxmlformats.org/officeDocument/2006/relationships" xmlns:p="http://schemas.openxmlformats.org/presentationml/2006/main">
+  <p:cSld>
+    <p:spTree>
+      <p:nvGrpSpPr>
+        <p:cNvPr id="1" name=""/>
+        <p:cNvGrpSpPr/>
+        <p:nvPr/>
+      </p:nvGrpSpPr>
+      <p:grpSpPr>
+        <a:xfrm>
+          <a:off x="0" y="0"/>
+          <a:ext cx="0" cy="0"/>
+          <a:chOff x="0" y="0"/>
+          <a:chExt cx="0" cy="0"/>
+        </a:xfrm>
+      </p:grpSpPr>
+      <p:sp>
+        <p:nvSpPr>
+          <p:cNvPr id="2" name="标题 1">
+            <a:extLst>
+              <a:ext uri="{FF2B5EF4-FFF2-40B4-BE49-F238E27FC236}">
+                <a16:creationId xmlns:a16="http://schemas.microsoft.com/office/drawing/2014/main" id="{6C36E090-FD6E-4B5F-89EB-0212EC08132D}"/>
+              </a:ext>
+            </a:extLst>
+          </p:cNvPr>
+          <p:cNvSpPr>
+            <a:spLocks noGrp="1"/>
+          </p:cNvSpPr>
+          <p:nvPr>
+            <p:ph type="title"/>
+          </p:nvPr>
+        </p:nvSpPr>
+        <p:spPr/>
+        <p:txBody>
+          <a:bodyPr>
+            <a:normAutofit/>
+          </a:bodyPr>
+          <a:lstStyle/>
+          <a:p>
+            <a:r>
+              <a:rPr lang="en-US" altLang="zh-CN" sz="3200" b="1" dirty="0"/>
+              <a:t>Join Query Optimization Techniques for Complex Event</a:t>
+            </a:r>
+            <a:br>
+              <a:rPr lang="en-US" altLang="zh-CN" sz="3200" b="1" dirty="0"/>
+            </a:br>
+            <a:r>
+              <a:rPr lang="en-US" altLang="zh-CN" sz="3200" b="1" dirty="0"/>
+              <a:t>Processing Applications</a:t>
+            </a:r>
+            <a:endParaRPr lang="zh-CN" altLang="en-US" sz="3200" b="1" dirty="0"/>
+          </a:p>
+        </p:txBody>
+      </p:sp>
+      <p:sp>
+        <p:nvSpPr>
+          <p:cNvPr id="3" name="内容占位符 2">
+            <a:extLst>
+              <a:ext uri="{FF2B5EF4-FFF2-40B4-BE49-F238E27FC236}">
+                <a16:creationId xmlns:a16="http://schemas.microsoft.com/office/drawing/2014/main" id="{216FD8EF-A447-4F31-820C-E3737E64C162}"/>
+              </a:ext>
+            </a:extLst>
+          </p:cNvPr>
+          <p:cNvSpPr>
+            <a:spLocks noGrp="1"/>
+          </p:cNvSpPr>
+          <p:nvPr>
+            <p:ph idx="1"/>
+          </p:nvPr>
+        </p:nvSpPr>
+        <p:spPr/>
+        <p:txBody>
+          <a:bodyPr>
+            <a:normAutofit lnSpcReduction="10000"/>
+          </a:bodyPr>
+          <a:lstStyle/>
+          <a:p>
+            <a:r>
+              <a:rPr lang="zh-CN" altLang="en-US" sz="2400" dirty="0"/>
+              <a:t>面向场景：</a:t>
+            </a:r>
+            <a:endParaRPr lang="en-US" altLang="zh-CN" sz="2400" dirty="0"/>
+          </a:p>
+          <a:p>
+            <a:pPr lvl="1"/>
+            <a:r>
+              <a:rPr lang="en-US" altLang="zh-CN" sz="2000" dirty="0"/>
+              <a:t>CEP</a:t>
+            </a:r>
+            <a:r>
+              <a:rPr lang="zh-CN" altLang="en-US" sz="2000" dirty="0"/>
+              <a:t>用来检测数据流中是否出现某种模式</a:t>
+            </a:r>
+            <a:endParaRPr lang="en-US" altLang="zh-CN" sz="2000" dirty="0"/>
+          </a:p>
+          <a:p>
+            <a:pPr lvl="1"/>
+            <a:r>
+              <a:rPr lang="zh-CN" altLang="en-US" sz="2000" dirty="0"/>
+              <a:t>将</a:t>
+            </a:r>
+            <a:r>
+              <a:rPr lang="en-US" altLang="zh-CN" sz="2000" dirty="0"/>
+              <a:t>MQO</a:t>
+            </a:r>
+            <a:r>
+              <a:rPr lang="zh-CN" altLang="en-US" sz="2000" dirty="0"/>
+              <a:t>的方法用到</a:t>
+            </a:r>
+            <a:r>
+              <a:rPr lang="en-US" altLang="zh-CN" sz="2000" dirty="0"/>
+              <a:t>CEP</a:t>
+            </a:r>
+            <a:r>
+              <a:rPr lang="zh-CN" altLang="en-US" sz="2000" dirty="0"/>
+              <a:t>上</a:t>
+            </a:r>
+            <a:endParaRPr lang="en-US" altLang="zh-CN" sz="2000" dirty="0"/>
+          </a:p>
+          <a:p>
+            <a:r>
+              <a:rPr lang="zh-CN" altLang="en-US" sz="2400" dirty="0"/>
+              <a:t>查询结构：</a:t>
+            </a:r>
+            <a:endParaRPr lang="en-US" altLang="zh-CN" sz="2400" dirty="0"/>
+          </a:p>
+          <a:p>
+            <a:pPr lvl="1"/>
+            <a:r>
+              <a:rPr lang="en-US" altLang="zh-CN" sz="2000" dirty="0"/>
+              <a:t>Pattern</a:t>
+            </a:r>
+            <a:r>
+              <a:rPr lang="zh-CN" altLang="en-US" sz="2000" dirty="0"/>
+              <a:t>：</a:t>
+            </a:r>
+            <a:r>
+              <a:rPr lang="en-US" altLang="zh-CN" sz="2000" dirty="0"/>
+              <a:t>primitive event</a:t>
+            </a:r>
+            <a:r>
+              <a:rPr lang="zh-CN" altLang="en-US" sz="2000" dirty="0"/>
+              <a:t>、</a:t>
+            </a:r>
+            <a:r>
+              <a:rPr lang="en-US" altLang="zh-CN" sz="2000" dirty="0"/>
+              <a:t>operator</a:t>
+            </a:r>
+            <a:r>
+              <a:rPr lang="zh-CN" altLang="en-US" sz="2000" dirty="0"/>
+              <a:t>、</a:t>
+            </a:r>
+            <a:r>
+              <a:rPr lang="en-US" altLang="zh-CN" sz="2000" dirty="0"/>
+              <a:t>predicates</a:t>
+            </a:r>
+            <a:r>
+              <a:rPr lang="zh-CN" altLang="en-US" sz="2000" dirty="0"/>
+              <a:t>、</a:t>
+            </a:r>
+            <a:r>
+              <a:rPr lang="en-US" altLang="zh-CN" sz="2000" dirty="0"/>
+              <a:t>time windows</a:t>
+            </a:r>
+          </a:p>
+          <a:p>
+            <a:pPr lvl="1"/>
+            <a:endParaRPr lang="en-US" altLang="zh-CN" sz="2000" dirty="0"/>
+          </a:p>
+          <a:p>
+            <a:pPr lvl="1"/>
+            <a:endParaRPr lang="en-US" altLang="zh-CN" sz="2000" dirty="0"/>
+          </a:p>
+          <a:p>
+            <a:pPr lvl="1"/>
+            <a:endParaRPr lang="en-US" altLang="zh-CN" sz="2000" dirty="0"/>
+          </a:p>
+          <a:p>
+            <a:pPr lvl="1"/>
+            <a:endParaRPr lang="en-US" altLang="zh-CN" sz="2000" dirty="0"/>
+          </a:p>
+          <a:p>
+            <a:pPr lvl="1"/>
+            <a:endParaRPr lang="en-US" altLang="zh-CN" sz="2000" dirty="0"/>
+          </a:p>
+          <a:p>
+            <a:pPr lvl="1"/>
+            <a:endParaRPr lang="en-US" altLang="zh-CN" sz="2000" dirty="0"/>
+          </a:p>
+          <a:p>
+            <a:pPr lvl="1"/>
+            <a:endParaRPr lang="en-US" altLang="zh-CN" sz="2000" dirty="0"/>
+          </a:p>
+          <a:p>
+            <a:r>
+              <a:rPr lang="zh-CN" altLang="en-US" sz="2400" dirty="0"/>
+              <a:t>优化目标：中间结果最少</a:t>
+            </a:r>
+          </a:p>
+        </p:txBody>
+      </p:sp>
+      <p:pic>
+        <p:nvPicPr>
+          <p:cNvPr id="5" name="图片 4">
+            <a:extLst>
+              <a:ext uri="{FF2B5EF4-FFF2-40B4-BE49-F238E27FC236}">
+                <a16:creationId xmlns:a16="http://schemas.microsoft.com/office/drawing/2014/main" id="{15B5E426-7489-40CD-B0FB-DDBE90F5E5F6}"/>
+              </a:ext>
+            </a:extLst>
+          </p:cNvPr>
+          <p:cNvPicPr>
+            <a:picLocks noChangeAspect="1"/>
+          </p:cNvPicPr>
+          <p:nvPr/>
+        </p:nvPicPr>
+        <p:blipFill>
+          <a:blip r:embed="rId3"/>
+          <a:stretch>
+            <a:fillRect/>
+          </a:stretch>
+        </p:blipFill>
+        <p:spPr>
+          <a:xfrm>
+            <a:off x="1609769" y="3757723"/>
+            <a:ext cx="4582947" cy="975642"/>
+          </a:xfrm>
+          <a:prstGeom prst="rect">
+            <a:avLst/>
+          </a:prstGeom>
+        </p:spPr>
+      </p:pic>
+      <p:pic>
+        <p:nvPicPr>
+          <p:cNvPr id="6" name="图片 5">
+            <a:extLst>
+              <a:ext uri="{FF2B5EF4-FFF2-40B4-BE49-F238E27FC236}">
+                <a16:creationId xmlns:a16="http://schemas.microsoft.com/office/drawing/2014/main" id="{B93565B7-AE85-4D30-9530-DBA5FE484C63}"/>
+              </a:ext>
+            </a:extLst>
+          </p:cNvPr>
+          <p:cNvPicPr>
+            <a:picLocks noChangeAspect="1"/>
+          </p:cNvPicPr>
+          <p:nvPr/>
+        </p:nvPicPr>
+        <p:blipFill>
+          <a:blip r:embed="rId4"/>
+          <a:stretch>
+            <a:fillRect/>
+          </a:stretch>
+        </p:blipFill>
+        <p:spPr>
+          <a:xfrm>
+            <a:off x="1749618" y="4733365"/>
+            <a:ext cx="3961905" cy="828571"/>
+          </a:xfrm>
+          <a:prstGeom prst="rect">
+            <a:avLst/>
+          </a:prstGeom>
+        </p:spPr>
+      </p:pic>
+      <p:pic>
+        <p:nvPicPr>
+          <p:cNvPr id="7" name="图片 6">
+            <a:extLst>
+              <a:ext uri="{FF2B5EF4-FFF2-40B4-BE49-F238E27FC236}">
+                <a16:creationId xmlns:a16="http://schemas.microsoft.com/office/drawing/2014/main" id="{3A8408E3-9959-4EC3-98D8-3ACBADD66031}"/>
+              </a:ext>
+            </a:extLst>
+          </p:cNvPr>
+          <p:cNvPicPr>
+            <a:picLocks noChangeAspect="1"/>
+          </p:cNvPicPr>
+          <p:nvPr/>
+        </p:nvPicPr>
+        <p:blipFill>
+          <a:blip r:embed="rId5"/>
+          <a:stretch>
+            <a:fillRect/>
+          </a:stretch>
+        </p:blipFill>
+        <p:spPr>
+          <a:xfrm>
+            <a:off x="6343243" y="4428602"/>
+            <a:ext cx="4676190" cy="1438095"/>
+          </a:xfrm>
+          <a:prstGeom prst="rect">
+            <a:avLst/>
+          </a:prstGeom>
+        </p:spPr>
+      </p:pic>
+    </p:spTree>
+    <p:extLst>
+      <p:ext uri="{BB962C8B-B14F-4D97-AF65-F5344CB8AC3E}">
+        <p14:creationId xmlns:p14="http://schemas.microsoft.com/office/powerpoint/2010/main" val="1000000856"/>
+      </p:ext>
+    </p:extLst>
+  </p:cSld>
+  <p:clrMapOvr>
+    <a:masterClrMapping/>
+  </p:clrMapOvr>
+</p:sld>
+</file>
+
+<file path=ppt/slides/slide17.xml><?xml version="1.0" encoding="utf-8"?>
+<p:sld xmlns:a="http://schemas.openxmlformats.org/drawingml/2006/main" xmlns:r="http://schemas.openxmlformats.org/officeDocument/2006/relationships" xmlns:p="http://schemas.openxmlformats.org/presentationml/2006/main">
+  <p:cSld>
+    <p:spTree>
+      <p:nvGrpSpPr>
+        <p:cNvPr id="1" name=""/>
+        <p:cNvGrpSpPr/>
+        <p:nvPr/>
+      </p:nvGrpSpPr>
+      <p:grpSpPr>
+        <a:xfrm>
+          <a:off x="0" y="0"/>
+          <a:ext cx="0" cy="0"/>
+          <a:chOff x="0" y="0"/>
+          <a:chExt cx="0" cy="0"/>
+        </a:xfrm>
+      </p:grpSpPr>
+      <p:sp>
+        <p:nvSpPr>
+          <p:cNvPr id="2" name="标题 1">
+            <a:extLst>
+              <a:ext uri="{FF2B5EF4-FFF2-40B4-BE49-F238E27FC236}">
                 <a16:creationId xmlns:a16="http://schemas.microsoft.com/office/drawing/2014/main" id="{FB0BA0A8-E5E3-7D4B-83A1-37370B1F4836}"/>
               </a:ext>
             </a:extLst>
@@ -11431,7 +12465,7 @@
 </p:sld>
 </file>
 
-<file path=ppt/slides/slide15.xml><?xml version="1.0" encoding="utf-8"?>
+<file path=ppt/slides/slide18.xml><?xml version="1.0" encoding="utf-8"?>
 <p:sld xmlns:a="http://schemas.openxmlformats.org/drawingml/2006/main" xmlns:r="http://schemas.openxmlformats.org/officeDocument/2006/relationships" xmlns:p="http://schemas.openxmlformats.org/presentationml/2006/main">
   <p:cSld>
     <p:spTree>
@@ -11757,382 +12791,6 @@
     <p:extLst>
       <p:ext uri="{BB962C8B-B14F-4D97-AF65-F5344CB8AC3E}">
         <p14:creationId xmlns:p14="http://schemas.microsoft.com/office/powerpoint/2010/main" val="2787418728"/>
-      </p:ext>
-    </p:extLst>
-  </p:cSld>
-  <p:clrMapOvr>
-    <a:masterClrMapping/>
-  </p:clrMapOvr>
-</p:sld>
-</file>
-
-<file path=ppt/slides/slide16.xml><?xml version="1.0" encoding="utf-8"?>
-<p:sld xmlns:a="http://schemas.openxmlformats.org/drawingml/2006/main" xmlns:r="http://schemas.openxmlformats.org/officeDocument/2006/relationships" xmlns:p="http://schemas.openxmlformats.org/presentationml/2006/main">
-  <p:cSld>
-    <p:spTree>
-      <p:nvGrpSpPr>
-        <p:cNvPr id="1" name=""/>
-        <p:cNvGrpSpPr/>
-        <p:nvPr/>
-      </p:nvGrpSpPr>
-      <p:grpSpPr>
-        <a:xfrm>
-          <a:off x="0" y="0"/>
-          <a:ext cx="0" cy="0"/>
-          <a:chOff x="0" y="0"/>
-          <a:chExt cx="0" cy="0"/>
-        </a:xfrm>
-      </p:grpSpPr>
-      <p:sp>
-        <p:nvSpPr>
-          <p:cNvPr id="2" name="标题 1">
-            <a:extLst>
-              <a:ext uri="{FF2B5EF4-FFF2-40B4-BE49-F238E27FC236}">
-                <a16:creationId xmlns:a16="http://schemas.microsoft.com/office/drawing/2014/main" id="{E9F6102E-971B-ED45-A317-30E634E00A03}"/>
-              </a:ext>
-            </a:extLst>
-          </p:cNvPr>
-          <p:cNvSpPr>
-            <a:spLocks noGrp="1"/>
-          </p:cNvSpPr>
-          <p:nvPr>
-            <p:ph type="title"/>
-          </p:nvPr>
-        </p:nvSpPr>
-        <p:spPr>
-          <a:xfrm>
-            <a:off x="838199" y="365125"/>
-            <a:ext cx="10850217" cy="1325563"/>
-          </a:xfrm>
-        </p:spPr>
-        <p:txBody>
-          <a:bodyPr>
-            <a:normAutofit/>
-          </a:bodyPr>
-          <a:lstStyle/>
-          <a:p>
-            <a:r>
-              <a:rPr lang="en" altLang="zh-CN" sz="2800" b="1" dirty="0"/>
-              <a:t>Multi-Query Optimization for Complex Event Processing in SAP ESP</a:t>
-            </a:r>
-            <a:endParaRPr kumimoji="1" lang="zh-CN" altLang="en-US" sz="2800" dirty="0"/>
-          </a:p>
-        </p:txBody>
-      </p:sp>
-      <p:sp>
-        <p:nvSpPr>
-          <p:cNvPr id="3" name="内容占位符 2">
-            <a:extLst>
-              <a:ext uri="{FF2B5EF4-FFF2-40B4-BE49-F238E27FC236}">
-                <a16:creationId xmlns:a16="http://schemas.microsoft.com/office/drawing/2014/main" id="{8FC139C8-2E8E-FE40-8C5D-75C7F467642E}"/>
-              </a:ext>
-            </a:extLst>
-          </p:cNvPr>
-          <p:cNvSpPr>
-            <a:spLocks noGrp="1"/>
-          </p:cNvSpPr>
-          <p:nvPr>
-            <p:ph idx="1"/>
-          </p:nvPr>
-        </p:nvSpPr>
-        <p:spPr>
-          <a:xfrm>
-            <a:off x="838199" y="1825625"/>
-            <a:ext cx="11172825" cy="4351338"/>
-          </a:xfrm>
-        </p:spPr>
-        <p:txBody>
-          <a:bodyPr/>
-          <a:lstStyle/>
-          <a:p>
-            <a:r>
-              <a:rPr kumimoji="1" lang="zh-CN" altLang="en-US" sz="2400" dirty="0"/>
-              <a:t>应用场景：</a:t>
-            </a:r>
-            <a:r>
-              <a:rPr kumimoji="1" lang="en-US" altLang="zh-CN" sz="2400" dirty="0"/>
-              <a:t>SAP </a:t>
-            </a:r>
-            <a:r>
-              <a:rPr kumimoji="1" lang="zh-CN" altLang="en-US" sz="2400" dirty="0"/>
-              <a:t>中的</a:t>
-            </a:r>
-            <a:r>
-              <a:rPr kumimoji="1" lang="en-US" altLang="zh-CN" sz="2400" dirty="0"/>
-              <a:t>Complex</a:t>
-            </a:r>
-            <a:r>
-              <a:rPr kumimoji="1" lang="zh-CN" altLang="en-US" sz="2400" dirty="0"/>
-              <a:t> </a:t>
-            </a:r>
-            <a:r>
-              <a:rPr kumimoji="1" lang="en-US" altLang="zh-CN" sz="2400" dirty="0"/>
-              <a:t>Event</a:t>
-            </a:r>
-            <a:r>
-              <a:rPr kumimoji="1" lang="zh-CN" altLang="en-US" sz="2400" dirty="0"/>
-              <a:t> </a:t>
-            </a:r>
-            <a:r>
-              <a:rPr kumimoji="1" lang="en-US" altLang="zh-CN" sz="2400" dirty="0"/>
-              <a:t>Processing</a:t>
-            </a:r>
-          </a:p>
-          <a:p>
-            <a:r>
-              <a:rPr kumimoji="1" lang="zh-CN" altLang="en-US" sz="2400" dirty="0"/>
-              <a:t>查询结构：</a:t>
-            </a:r>
-            <a:endParaRPr kumimoji="1" lang="en-US" altLang="zh-CN" sz="2400" dirty="0"/>
-          </a:p>
-          <a:p>
-            <a:pPr lvl="1"/>
-            <a:r>
-              <a:rPr kumimoji="1" lang="en-US" altLang="zh-CN" sz="2000" dirty="0"/>
-              <a:t>CCL</a:t>
-            </a:r>
-            <a:r>
-              <a:rPr kumimoji="1" lang="zh-CN" altLang="en-US" sz="2000" dirty="0"/>
-              <a:t>查询（</a:t>
-            </a:r>
-            <a:r>
-              <a:rPr kumimoji="1" lang="en-US" altLang="zh-CN" sz="2000" dirty="0"/>
-              <a:t>Continuous Computation Language</a:t>
-            </a:r>
-            <a:r>
-              <a:rPr kumimoji="1" lang="zh-CN" altLang="en-US" sz="2000" dirty="0"/>
-              <a:t>）</a:t>
-            </a:r>
-            <a:r>
-              <a:rPr kumimoji="1" lang="en-US" altLang="zh-CN" sz="2000" dirty="0"/>
-              <a:t>,</a:t>
-            </a:r>
-            <a:r>
-              <a:rPr kumimoji="1" lang="zh-CN" altLang="en-US" sz="2000" dirty="0"/>
-              <a:t>基于</a:t>
-            </a:r>
-            <a:r>
-              <a:rPr kumimoji="1" lang="en-US" altLang="zh-CN" sz="2000" dirty="0"/>
-              <a:t>SQL</a:t>
-            </a:r>
-            <a:r>
-              <a:rPr kumimoji="1" lang="zh-CN" altLang="en-US" sz="2000" dirty="0"/>
-              <a:t>，面向实时数据流，支持</a:t>
-            </a:r>
-            <a:r>
-              <a:rPr kumimoji="1" lang="en-US" altLang="zh-CN" sz="2000" dirty="0"/>
-              <a:t>pattern matching</a:t>
-            </a:r>
-          </a:p>
-          <a:p>
-            <a:pPr lvl="1"/>
-            <a:r>
-              <a:rPr kumimoji="1" lang="zh-CN" altLang="en-US" sz="2000" dirty="0"/>
-              <a:t>数据流是由事件组成的，每个事件都有类型，查询之间的共享基于事件的类型</a:t>
-            </a:r>
-            <a:endParaRPr kumimoji="1" lang="en-US" altLang="zh-CN" sz="2000" dirty="0"/>
-          </a:p>
-          <a:p>
-            <a:pPr lvl="1"/>
-            <a:endParaRPr kumimoji="1" lang="en-US" altLang="zh-CN" dirty="0"/>
-          </a:p>
-          <a:p>
-            <a:pPr lvl="1"/>
-            <a:endParaRPr kumimoji="1" lang="en-US" altLang="zh-CN" dirty="0"/>
-          </a:p>
-          <a:p>
-            <a:r>
-              <a:rPr kumimoji="1" lang="zh-CN" altLang="en-US" sz="2400" dirty="0"/>
-              <a:t>算子：</a:t>
-            </a:r>
-            <a:endParaRPr kumimoji="1" lang="en-US" altLang="zh-CN" sz="2400" dirty="0"/>
-          </a:p>
-          <a:p>
-            <a:pPr lvl="1"/>
-            <a:r>
-              <a:rPr kumimoji="1" lang="zh-CN" altLang="en-US" dirty="0"/>
-              <a:t>根据事件类型之间的关系定义关心的</a:t>
-            </a:r>
-            <a:r>
-              <a:rPr kumimoji="1" lang="en-US" altLang="zh-CN" dirty="0"/>
-              <a:t>pattern</a:t>
-            </a:r>
-          </a:p>
-          <a:p>
-            <a:pPr lvl="1"/>
-            <a:r>
-              <a:rPr kumimoji="1" lang="en-US" altLang="zh-CN" dirty="0"/>
-              <a:t>Conjunction</a:t>
-            </a:r>
-            <a:r>
-              <a:rPr kumimoji="1" lang="zh-CN" altLang="en-US" dirty="0"/>
-              <a:t>（</a:t>
-            </a:r>
-            <a:r>
-              <a:rPr kumimoji="1" lang="en-US" altLang="zh-CN" dirty="0"/>
-              <a:t>&amp;</a:t>
-            </a:r>
-            <a:r>
-              <a:rPr kumimoji="1" lang="zh-CN" altLang="en-US" dirty="0"/>
-              <a:t>）、</a:t>
-            </a:r>
-            <a:r>
-              <a:rPr kumimoji="1" lang="en-US" altLang="zh-CN" dirty="0"/>
-              <a:t>Disjunction</a:t>
-            </a:r>
-            <a:r>
-              <a:rPr kumimoji="1" lang="zh-CN" altLang="en-US" dirty="0"/>
-              <a:t>（</a:t>
-            </a:r>
-            <a:r>
-              <a:rPr kumimoji="1" lang="en-US" altLang="zh-CN" dirty="0"/>
-              <a:t>|</a:t>
-            </a:r>
-            <a:r>
-              <a:rPr kumimoji="1" lang="zh-CN" altLang="en-US" dirty="0"/>
-              <a:t>）、</a:t>
-            </a:r>
-            <a:r>
-              <a:rPr kumimoji="1" lang="en-US" altLang="zh-CN" dirty="0"/>
-              <a:t>Negation</a:t>
-            </a:r>
-            <a:r>
-              <a:rPr kumimoji="1" lang="zh-CN" altLang="en-US" dirty="0"/>
-              <a:t>（</a:t>
-            </a:r>
-            <a:r>
-              <a:rPr kumimoji="1" lang="en-US" altLang="zh-CN" dirty="0"/>
-              <a:t>~</a:t>
-            </a:r>
-            <a:r>
-              <a:rPr kumimoji="1" lang="zh-CN" altLang="en-US" dirty="0"/>
-              <a:t>） 、</a:t>
-            </a:r>
-            <a:r>
-              <a:rPr kumimoji="1" lang="en-US" altLang="zh-CN" dirty="0"/>
-              <a:t>Sequence</a:t>
-            </a:r>
-          </a:p>
-        </p:txBody>
-      </p:sp>
-      <p:pic>
-        <p:nvPicPr>
-          <p:cNvPr id="4" name="内容占位符 3">
-            <a:extLst>
-              <a:ext uri="{FF2B5EF4-FFF2-40B4-BE49-F238E27FC236}">
-                <a16:creationId xmlns:a16="http://schemas.microsoft.com/office/drawing/2014/main" id="{B61EB964-66F0-4EE2-8A67-DF5D8ECAD9FE}"/>
-              </a:ext>
-            </a:extLst>
-          </p:cNvPr>
-          <p:cNvPicPr>
-            <a:picLocks noChangeAspect="1"/>
-          </p:cNvPicPr>
-          <p:nvPr/>
-        </p:nvPicPr>
-        <p:blipFill>
-          <a:blip r:embed="rId3"/>
-          <a:stretch>
-            <a:fillRect/>
-          </a:stretch>
-        </p:blipFill>
-        <p:spPr>
-          <a:xfrm>
-            <a:off x="2221729" y="3648868"/>
-            <a:ext cx="7594600" cy="1009651"/>
-          </a:xfrm>
-          <a:prstGeom prst="rect">
-            <a:avLst/>
-          </a:prstGeom>
-        </p:spPr>
-      </p:pic>
-    </p:spTree>
-    <p:extLst>
-      <p:ext uri="{BB962C8B-B14F-4D97-AF65-F5344CB8AC3E}">
-        <p14:creationId xmlns:p14="http://schemas.microsoft.com/office/powerpoint/2010/main" val="3340229516"/>
-      </p:ext>
-    </p:extLst>
-  </p:cSld>
-  <p:clrMapOvr>
-    <a:masterClrMapping/>
-  </p:clrMapOvr>
-</p:sld>
-</file>
-
-<file path=ppt/slides/slide17.xml><?xml version="1.0" encoding="utf-8"?>
-<p:sld xmlns:a="http://schemas.openxmlformats.org/drawingml/2006/main" xmlns:r="http://schemas.openxmlformats.org/officeDocument/2006/relationships" xmlns:p="http://schemas.openxmlformats.org/presentationml/2006/main">
-  <p:cSld>
-    <p:spTree>
-      <p:nvGrpSpPr>
-        <p:cNvPr id="1" name=""/>
-        <p:cNvGrpSpPr/>
-        <p:nvPr/>
-      </p:nvGrpSpPr>
-      <p:grpSpPr>
-        <a:xfrm>
-          <a:off x="0" y="0"/>
-          <a:ext cx="0" cy="0"/>
-          <a:chOff x="0" y="0"/>
-          <a:chExt cx="0" cy="0"/>
-        </a:xfrm>
-      </p:grpSpPr>
-      <p:sp>
-        <p:nvSpPr>
-          <p:cNvPr id="2" name="标题 1">
-            <a:extLst>
-              <a:ext uri="{FF2B5EF4-FFF2-40B4-BE49-F238E27FC236}">
-                <a16:creationId xmlns:a16="http://schemas.microsoft.com/office/drawing/2014/main" id="{C2999461-038A-B245-B800-4A3637735727}"/>
-              </a:ext>
-            </a:extLst>
-          </p:cNvPr>
-          <p:cNvSpPr>
-            <a:spLocks noGrp="1"/>
-          </p:cNvSpPr>
-          <p:nvPr>
-            <p:ph type="title"/>
-          </p:nvPr>
-        </p:nvSpPr>
-        <p:spPr/>
-        <p:txBody>
-          <a:bodyPr/>
-          <a:lstStyle/>
-          <a:p>
-            <a:r>
-              <a:rPr lang="en" altLang="zh-CN" b="1" dirty="0"/>
-              <a:t>Multi-Query Optimization for Complex Event Processing in SAP ESP</a:t>
-            </a:r>
-            <a:endParaRPr kumimoji="1" lang="zh-CN" altLang="en-US" dirty="0"/>
-          </a:p>
-        </p:txBody>
-      </p:sp>
-      <p:sp>
-        <p:nvSpPr>
-          <p:cNvPr id="3" name="内容占位符 2">
-            <a:extLst>
-              <a:ext uri="{FF2B5EF4-FFF2-40B4-BE49-F238E27FC236}">
-                <a16:creationId xmlns:a16="http://schemas.microsoft.com/office/drawing/2014/main" id="{5D8F9471-4E0C-4610-9E06-4C9D4472B33A}"/>
-              </a:ext>
-            </a:extLst>
-          </p:cNvPr>
-          <p:cNvSpPr>
-            <a:spLocks noGrp="1"/>
-          </p:cNvSpPr>
-          <p:nvPr>
-            <p:ph idx="1"/>
-          </p:nvPr>
-        </p:nvSpPr>
-        <p:spPr/>
-        <p:txBody>
-          <a:bodyPr/>
-          <a:lstStyle/>
-          <a:p>
-            <a:endParaRPr lang="zh-CN" altLang="en-US"/>
-          </a:p>
-        </p:txBody>
-      </p:sp>
-    </p:spTree>
-    <p:extLst>
-      <p:ext uri="{BB962C8B-B14F-4D97-AF65-F5344CB8AC3E}">
-        <p14:creationId xmlns:p14="http://schemas.microsoft.com/office/powerpoint/2010/main" val="2906396659"/>
       </p:ext>
     </p:extLst>
   </p:cSld>

--- a/Hypercube.pptx
+++ b/Hypercube.pptx
@@ -3362,7 +3362,7 @@
           <a:p>
             <a:fld id="{36C54497-0AB4-6B48-8651-9BCE117B9331}" type="datetimeFigureOut">
               <a:rPr kumimoji="1" lang="zh-CN" altLang="en-US" smtClean="0"/>
-              <a:t>2020/12/4</a:t>
+              <a:t>2020/12/5</a:t>
             </a:fld>
             <a:endParaRPr kumimoji="1" lang="zh-CN" altLang="en-US"/>
           </a:p>
@@ -6305,6 +6305,34 @@
               </a:rPr>
               <a:t>集合</a:t>
             </a:r>
+            <a:endParaRPr kumimoji="1" lang="en-US" altLang="zh-CN" sz="1200" kern="1200" dirty="0">
+              <a:solidFill>
+                <a:schemeClr val="tx1"/>
+              </a:solidFill>
+              <a:effectLst/>
+              <a:latin typeface="+mn-lt"/>
+              <a:ea typeface="+mn-ea"/>
+              <a:cs typeface="+mn-cs"/>
+            </a:endParaRPr>
+          </a:p>
+          <a:p>
+            <a:pPr marL="0" marR="0" lvl="0" indent="0" algn="l" defTabSz="914400" rtl="0" eaLnBrk="1" fontAlgn="auto" latinLnBrk="0" hangingPunct="1">
+              <a:lnSpc>
+                <a:spcPct val="100000"/>
+              </a:lnSpc>
+              <a:spcBef>
+                <a:spcPts val="0"/>
+              </a:spcBef>
+              <a:spcAft>
+                <a:spcPts val="0"/>
+              </a:spcAft>
+              <a:buClrTx/>
+              <a:buSzTx/>
+              <a:buFontTx/>
+              <a:buNone/>
+              <a:tabLst/>
+              <a:defRPr/>
+            </a:pPr>
             <a:endParaRPr kumimoji="1" lang="en-US" altLang="zh-CN" dirty="0"/>
           </a:p>
           <a:p>
@@ -6620,7 +6648,7 @@
           <a:p>
             <a:fld id="{1A672227-9AE1-604A-9C86-A5AA5B738411}" type="datetimeFigureOut">
               <a:rPr kumimoji="1" lang="zh-CN" altLang="en-US" smtClean="0"/>
-              <a:t>2020/12/4</a:t>
+              <a:t>2020/12/5</a:t>
             </a:fld>
             <a:endParaRPr kumimoji="1" lang="zh-CN" altLang="en-US"/>
           </a:p>
@@ -6818,7 +6846,7 @@
           <a:p>
             <a:fld id="{1A672227-9AE1-604A-9C86-A5AA5B738411}" type="datetimeFigureOut">
               <a:rPr kumimoji="1" lang="zh-CN" altLang="en-US" smtClean="0"/>
-              <a:t>2020/12/4</a:t>
+              <a:t>2020/12/5</a:t>
             </a:fld>
             <a:endParaRPr kumimoji="1" lang="zh-CN" altLang="en-US"/>
           </a:p>
@@ -7026,7 +7054,7 @@
           <a:p>
             <a:fld id="{1A672227-9AE1-604A-9C86-A5AA5B738411}" type="datetimeFigureOut">
               <a:rPr kumimoji="1" lang="zh-CN" altLang="en-US" smtClean="0"/>
-              <a:t>2020/12/4</a:t>
+              <a:t>2020/12/5</a:t>
             </a:fld>
             <a:endParaRPr kumimoji="1" lang="zh-CN" altLang="en-US"/>
           </a:p>
@@ -7224,7 +7252,7 @@
           <a:p>
             <a:fld id="{1A672227-9AE1-604A-9C86-A5AA5B738411}" type="datetimeFigureOut">
               <a:rPr kumimoji="1" lang="zh-CN" altLang="en-US" smtClean="0"/>
-              <a:t>2020/12/4</a:t>
+              <a:t>2020/12/5</a:t>
             </a:fld>
             <a:endParaRPr kumimoji="1" lang="zh-CN" altLang="en-US"/>
           </a:p>
@@ -7499,7 +7527,7 @@
           <a:p>
             <a:fld id="{1A672227-9AE1-604A-9C86-A5AA5B738411}" type="datetimeFigureOut">
               <a:rPr kumimoji="1" lang="zh-CN" altLang="en-US" smtClean="0"/>
-              <a:t>2020/12/4</a:t>
+              <a:t>2020/12/5</a:t>
             </a:fld>
             <a:endParaRPr kumimoji="1" lang="zh-CN" altLang="en-US"/>
           </a:p>
@@ -7764,7 +7792,7 @@
           <a:p>
             <a:fld id="{1A672227-9AE1-604A-9C86-A5AA5B738411}" type="datetimeFigureOut">
               <a:rPr kumimoji="1" lang="zh-CN" altLang="en-US" smtClean="0"/>
-              <a:t>2020/12/4</a:t>
+              <a:t>2020/12/5</a:t>
             </a:fld>
             <a:endParaRPr kumimoji="1" lang="zh-CN" altLang="en-US"/>
           </a:p>
@@ -8176,7 +8204,7 @@
           <a:p>
             <a:fld id="{1A672227-9AE1-604A-9C86-A5AA5B738411}" type="datetimeFigureOut">
               <a:rPr kumimoji="1" lang="zh-CN" altLang="en-US" smtClean="0"/>
-              <a:t>2020/12/4</a:t>
+              <a:t>2020/12/5</a:t>
             </a:fld>
             <a:endParaRPr kumimoji="1" lang="zh-CN" altLang="en-US"/>
           </a:p>
@@ -8317,7 +8345,7 @@
           <a:p>
             <a:fld id="{1A672227-9AE1-604A-9C86-A5AA5B738411}" type="datetimeFigureOut">
               <a:rPr kumimoji="1" lang="zh-CN" altLang="en-US" smtClean="0"/>
-              <a:t>2020/12/4</a:t>
+              <a:t>2020/12/5</a:t>
             </a:fld>
             <a:endParaRPr kumimoji="1" lang="zh-CN" altLang="en-US"/>
           </a:p>
@@ -8430,7 +8458,7 @@
           <a:p>
             <a:fld id="{1A672227-9AE1-604A-9C86-A5AA5B738411}" type="datetimeFigureOut">
               <a:rPr kumimoji="1" lang="zh-CN" altLang="en-US" smtClean="0"/>
-              <a:t>2020/12/4</a:t>
+              <a:t>2020/12/5</a:t>
             </a:fld>
             <a:endParaRPr kumimoji="1" lang="zh-CN" altLang="en-US"/>
           </a:p>
@@ -8741,7 +8769,7 @@
           <a:p>
             <a:fld id="{1A672227-9AE1-604A-9C86-A5AA5B738411}" type="datetimeFigureOut">
               <a:rPr kumimoji="1" lang="zh-CN" altLang="en-US" smtClean="0"/>
-              <a:t>2020/12/4</a:t>
+              <a:t>2020/12/5</a:t>
             </a:fld>
             <a:endParaRPr kumimoji="1" lang="zh-CN" altLang="en-US"/>
           </a:p>
@@ -9029,7 +9057,7 @@
           <a:p>
             <a:fld id="{1A672227-9AE1-604A-9C86-A5AA5B738411}" type="datetimeFigureOut">
               <a:rPr kumimoji="1" lang="zh-CN" altLang="en-US" smtClean="0"/>
-              <a:t>2020/12/4</a:t>
+              <a:t>2020/12/5</a:t>
             </a:fld>
             <a:endParaRPr kumimoji="1" lang="zh-CN" altLang="en-US"/>
           </a:p>
@@ -9270,7 +9298,7 @@
           <a:p>
             <a:fld id="{1A672227-9AE1-604A-9C86-A5AA5B738411}" type="datetimeFigureOut">
               <a:rPr kumimoji="1" lang="zh-CN" altLang="en-US" smtClean="0"/>
-              <a:t>2020/12/4</a:t>
+              <a:t>2020/12/5</a:t>
             </a:fld>
             <a:endParaRPr kumimoji="1" lang="zh-CN" altLang="en-US"/>
           </a:p>
